--- a/img/pin-out/pin_map.pptx
+++ b/img/pin-out/pin_map.pptx
@@ -5,10 +5,12 @@
     <p:sldMasterId id="2147483648" r:id="rId1"/>
   </p:sldMasterIdLst>
   <p:notesMasterIdLst>
-    <p:notesMasterId r:id="rId3"/>
+    <p:notesMasterId r:id="rId5"/>
   </p:notesMasterIdLst>
   <p:sldIdLst>
     <p:sldId id="256" r:id="rId2"/>
+    <p:sldId id="258" r:id="rId3"/>
+    <p:sldId id="259" r:id="rId4"/>
   </p:sldIdLst>
   <p:sldSz cx="12192000" cy="6858000"/>
   <p:notesSz cx="6858000" cy="9144000"/>
@@ -209,7 +211,7 @@
           <a:p>
             <a:fld id="{4EB02BDD-3154-492D-BE59-59C507D5296B}" type="datetimeFigureOut">
               <a:rPr lang="zh-CN" altLang="en-US" smtClean="0"/>
-              <a:t>2018/11/27</a:t>
+              <a:t>2018/11/29</a:t>
             </a:fld>
             <a:endParaRPr lang="zh-CN" altLang="en-US"/>
           </a:p>
@@ -709,7 +711,7 @@
           <a:p>
             <a:fld id="{6BAEC7DB-416E-4648-AE31-15D6F0A9A9FB}" type="datetimeFigureOut">
               <a:rPr lang="en-US" smtClean="0"/>
-              <a:t>11/27/2018</a:t>
+              <a:t>11/29/2018</a:t>
             </a:fld>
             <a:endParaRPr lang="en-US"/>
           </a:p>
@@ -909,7 +911,7 @@
           <a:p>
             <a:fld id="{6BAEC7DB-416E-4648-AE31-15D6F0A9A9FB}" type="datetimeFigureOut">
               <a:rPr lang="en-US" smtClean="0"/>
-              <a:t>11/27/2018</a:t>
+              <a:t>11/29/2018</a:t>
             </a:fld>
             <a:endParaRPr lang="en-US"/>
           </a:p>
@@ -1119,7 +1121,7 @@
           <a:p>
             <a:fld id="{6BAEC7DB-416E-4648-AE31-15D6F0A9A9FB}" type="datetimeFigureOut">
               <a:rPr lang="en-US" smtClean="0"/>
-              <a:t>11/27/2018</a:t>
+              <a:t>11/29/2018</a:t>
             </a:fld>
             <a:endParaRPr lang="en-US"/>
           </a:p>
@@ -1319,7 +1321,7 @@
           <a:p>
             <a:fld id="{6BAEC7DB-416E-4648-AE31-15D6F0A9A9FB}" type="datetimeFigureOut">
               <a:rPr lang="en-US" smtClean="0"/>
-              <a:t>11/27/2018</a:t>
+              <a:t>11/29/2018</a:t>
             </a:fld>
             <a:endParaRPr lang="en-US"/>
           </a:p>
@@ -1595,7 +1597,7 @@
           <a:p>
             <a:fld id="{6BAEC7DB-416E-4648-AE31-15D6F0A9A9FB}" type="datetimeFigureOut">
               <a:rPr lang="en-US" smtClean="0"/>
-              <a:t>11/27/2018</a:t>
+              <a:t>11/29/2018</a:t>
             </a:fld>
             <a:endParaRPr lang="en-US"/>
           </a:p>
@@ -1863,7 +1865,7 @@
           <a:p>
             <a:fld id="{6BAEC7DB-416E-4648-AE31-15D6F0A9A9FB}" type="datetimeFigureOut">
               <a:rPr lang="en-US" smtClean="0"/>
-              <a:t>11/27/2018</a:t>
+              <a:t>11/29/2018</a:t>
             </a:fld>
             <a:endParaRPr lang="en-US"/>
           </a:p>
@@ -2278,7 +2280,7 @@
           <a:p>
             <a:fld id="{6BAEC7DB-416E-4648-AE31-15D6F0A9A9FB}" type="datetimeFigureOut">
               <a:rPr lang="en-US" smtClean="0"/>
-              <a:t>11/27/2018</a:t>
+              <a:t>11/29/2018</a:t>
             </a:fld>
             <a:endParaRPr lang="en-US"/>
           </a:p>
@@ -2420,7 +2422,7 @@
           <a:p>
             <a:fld id="{6BAEC7DB-416E-4648-AE31-15D6F0A9A9FB}" type="datetimeFigureOut">
               <a:rPr lang="en-US" smtClean="0"/>
-              <a:t>11/27/2018</a:t>
+              <a:t>11/29/2018</a:t>
             </a:fld>
             <a:endParaRPr lang="en-US"/>
           </a:p>
@@ -2533,7 +2535,7 @@
           <a:p>
             <a:fld id="{6BAEC7DB-416E-4648-AE31-15D6F0A9A9FB}" type="datetimeFigureOut">
               <a:rPr lang="en-US" smtClean="0"/>
-              <a:t>11/27/2018</a:t>
+              <a:t>11/29/2018</a:t>
             </a:fld>
             <a:endParaRPr lang="en-US"/>
           </a:p>
@@ -2846,7 +2848,7 @@
           <a:p>
             <a:fld id="{6BAEC7DB-416E-4648-AE31-15D6F0A9A9FB}" type="datetimeFigureOut">
               <a:rPr lang="en-US" smtClean="0"/>
-              <a:t>11/27/2018</a:t>
+              <a:t>11/29/2018</a:t>
             </a:fld>
             <a:endParaRPr lang="en-US"/>
           </a:p>
@@ -3135,7 +3137,7 @@
           <a:p>
             <a:fld id="{6BAEC7DB-416E-4648-AE31-15D6F0A9A9FB}" type="datetimeFigureOut">
               <a:rPr lang="en-US" smtClean="0"/>
-              <a:t>11/27/2018</a:t>
+              <a:t>11/29/2018</a:t>
             </a:fld>
             <a:endParaRPr lang="en-US"/>
           </a:p>
@@ -3378,7 +3380,7 @@
           <a:p>
             <a:fld id="{6BAEC7DB-416E-4648-AE31-15D6F0A9A9FB}" type="datetimeFigureOut">
               <a:rPr lang="en-US" smtClean="0"/>
-              <a:t>11/27/2018</a:t>
+              <a:t>11/29/2018</a:t>
             </a:fld>
             <a:endParaRPr lang="en-US"/>
           </a:p>
@@ -4543,6 +4545,797 @@
     <p:extLst>
       <p:ext uri="{BB962C8B-B14F-4D97-AF65-F5344CB8AC3E}">
         <p14:creationId xmlns:p14="http://schemas.microsoft.com/office/powerpoint/2010/main" val="2496173998"/>
+      </p:ext>
+    </p:extLst>
+  </p:cSld>
+  <p:clrMapOvr>
+    <a:masterClrMapping/>
+  </p:clrMapOvr>
+</p:sld>
+</file>
+
+<file path=ppt/slides/slide2.xml><?xml version="1.0" encoding="utf-8"?>
+<p:sld xmlns:a="http://schemas.openxmlformats.org/drawingml/2006/main" xmlns:r="http://schemas.openxmlformats.org/officeDocument/2006/relationships" xmlns:p="http://schemas.openxmlformats.org/presentationml/2006/main">
+  <p:cSld>
+    <p:spTree>
+      <p:nvGrpSpPr>
+        <p:cNvPr id="1" name=""/>
+        <p:cNvGrpSpPr/>
+        <p:nvPr/>
+      </p:nvGrpSpPr>
+      <p:grpSpPr>
+        <a:xfrm>
+          <a:off x="0" y="0"/>
+          <a:ext cx="0" cy="0"/>
+          <a:chOff x="0" y="0"/>
+          <a:chExt cx="0" cy="0"/>
+        </a:xfrm>
+      </p:grpSpPr>
+      <p:pic>
+        <p:nvPicPr>
+          <p:cNvPr id="3" name="图片 2">
+            <a:extLst>
+              <a:ext uri="{FF2B5EF4-FFF2-40B4-BE49-F238E27FC236}">
+                <a16:creationId xmlns:a16="http://schemas.microsoft.com/office/drawing/2014/main" id="{6A021038-CFE5-4C91-A2CC-73567CB5FBC6}"/>
+              </a:ext>
+            </a:extLst>
+          </p:cNvPr>
+          <p:cNvPicPr>
+            <a:picLocks noChangeAspect="1"/>
+          </p:cNvPicPr>
+          <p:nvPr/>
+        </p:nvPicPr>
+        <p:blipFill>
+          <a:blip r:embed="rId2">
+            <a:extLst>
+              <a:ext uri="{28A0092B-C50C-407E-A947-70E740481C1C}">
+                <a14:useLocalDpi xmlns:a14="http://schemas.microsoft.com/office/drawing/2010/main" val="0"/>
+              </a:ext>
+            </a:extLst>
+          </a:blip>
+          <a:stretch>
+            <a:fillRect/>
+          </a:stretch>
+        </p:blipFill>
+        <p:spPr>
+          <a:xfrm>
+            <a:off x="2580936" y="358042"/>
+            <a:ext cx="7421270" cy="5565953"/>
+          </a:xfrm>
+          <a:prstGeom prst="rect">
+            <a:avLst/>
+          </a:prstGeom>
+        </p:spPr>
+      </p:pic>
+      <p:pic>
+        <p:nvPicPr>
+          <p:cNvPr id="5" name="图片 4">
+            <a:extLst>
+              <a:ext uri="{FF2B5EF4-FFF2-40B4-BE49-F238E27FC236}">
+                <a16:creationId xmlns:a16="http://schemas.microsoft.com/office/drawing/2014/main" id="{5404602D-E9EF-456E-BCB7-C44130516488}"/>
+              </a:ext>
+            </a:extLst>
+          </p:cNvPr>
+          <p:cNvPicPr>
+            <a:picLocks noChangeAspect="1"/>
+          </p:cNvPicPr>
+          <p:nvPr/>
+        </p:nvPicPr>
+        <p:blipFill>
+          <a:blip r:embed="rId3">
+            <a:extLst>
+              <a:ext uri="{28A0092B-C50C-407E-A947-70E740481C1C}">
+                <a14:useLocalDpi xmlns:a14="http://schemas.microsoft.com/office/drawing/2010/main" val="0"/>
+              </a:ext>
+            </a:extLst>
+          </a:blip>
+          <a:stretch>
+            <a:fillRect/>
+          </a:stretch>
+        </p:blipFill>
+        <p:spPr>
+          <a:xfrm rot="16200000" flipH="1">
+            <a:off x="3329608" y="3690538"/>
+            <a:ext cx="731507" cy="749236"/>
+          </a:xfrm>
+          <a:prstGeom prst="rect">
+            <a:avLst/>
+          </a:prstGeom>
+        </p:spPr>
+      </p:pic>
+      <p:cxnSp>
+        <p:nvCxnSpPr>
+          <p:cNvPr id="7" name="直接连接符 6">
+            <a:extLst>
+              <a:ext uri="{FF2B5EF4-FFF2-40B4-BE49-F238E27FC236}">
+                <a16:creationId xmlns:a16="http://schemas.microsoft.com/office/drawing/2014/main" id="{6FA37781-B5BE-4A7D-ABBB-1D65F968DA4B}"/>
+              </a:ext>
+            </a:extLst>
+          </p:cNvPr>
+          <p:cNvCxnSpPr>
+            <a:cxnSpLocks/>
+          </p:cNvCxnSpPr>
+          <p:nvPr/>
+        </p:nvCxnSpPr>
+        <p:spPr>
+          <a:xfrm flipH="1">
+            <a:off x="3963266" y="4102100"/>
+            <a:ext cx="812801" cy="0"/>
+          </a:xfrm>
+          <a:prstGeom prst="line">
+            <a:avLst/>
+          </a:prstGeom>
+          <a:ln w="28575">
+            <a:solidFill>
+              <a:srgbClr val="FF0000"/>
+            </a:solidFill>
+          </a:ln>
+        </p:spPr>
+        <p:style>
+          <a:lnRef idx="1">
+            <a:schemeClr val="accent1"/>
+          </a:lnRef>
+          <a:fillRef idx="0">
+            <a:schemeClr val="accent1"/>
+          </a:fillRef>
+          <a:effectRef idx="0">
+            <a:schemeClr val="accent1"/>
+          </a:effectRef>
+          <a:fontRef idx="minor">
+            <a:schemeClr val="tx1"/>
+          </a:fontRef>
+        </p:style>
+      </p:cxnSp>
+      <p:cxnSp>
+        <p:nvCxnSpPr>
+          <p:cNvPr id="9" name="直接连接符 8">
+            <a:extLst>
+              <a:ext uri="{FF2B5EF4-FFF2-40B4-BE49-F238E27FC236}">
+                <a16:creationId xmlns:a16="http://schemas.microsoft.com/office/drawing/2014/main" id="{BB3C75C8-5C35-425A-9544-02B6E645A3D8}"/>
+              </a:ext>
+            </a:extLst>
+          </p:cNvPr>
+          <p:cNvCxnSpPr>
+            <a:cxnSpLocks/>
+          </p:cNvCxnSpPr>
+          <p:nvPr/>
+        </p:nvCxnSpPr>
+        <p:spPr>
+          <a:xfrm flipH="1">
+            <a:off x="4175702" y="3776518"/>
+            <a:ext cx="600364" cy="0"/>
+          </a:xfrm>
+          <a:prstGeom prst="line">
+            <a:avLst/>
+          </a:prstGeom>
+          <a:ln w="28575">
+            <a:solidFill>
+              <a:schemeClr val="tx1"/>
+            </a:solidFill>
+          </a:ln>
+        </p:spPr>
+        <p:style>
+          <a:lnRef idx="1">
+            <a:schemeClr val="accent1"/>
+          </a:lnRef>
+          <a:fillRef idx="0">
+            <a:schemeClr val="accent1"/>
+          </a:fillRef>
+          <a:effectRef idx="0">
+            <a:schemeClr val="accent1"/>
+          </a:effectRef>
+          <a:fontRef idx="minor">
+            <a:schemeClr val="tx1"/>
+          </a:fontRef>
+        </p:style>
+      </p:cxnSp>
+      <p:cxnSp>
+        <p:nvCxnSpPr>
+          <p:cNvPr id="13" name="直接连接符 12">
+            <a:extLst>
+              <a:ext uri="{FF2B5EF4-FFF2-40B4-BE49-F238E27FC236}">
+                <a16:creationId xmlns:a16="http://schemas.microsoft.com/office/drawing/2014/main" id="{F9ADE689-8164-4AC0-A69D-C7DF4DD5EF57}"/>
+              </a:ext>
+            </a:extLst>
+          </p:cNvPr>
+          <p:cNvCxnSpPr>
+            <a:cxnSpLocks/>
+          </p:cNvCxnSpPr>
+          <p:nvPr/>
+        </p:nvCxnSpPr>
+        <p:spPr>
+          <a:xfrm>
+            <a:off x="4175702" y="3759200"/>
+            <a:ext cx="0" cy="275143"/>
+          </a:xfrm>
+          <a:prstGeom prst="line">
+            <a:avLst/>
+          </a:prstGeom>
+          <a:ln w="28575">
+            <a:solidFill>
+              <a:schemeClr val="tx1"/>
+            </a:solidFill>
+          </a:ln>
+        </p:spPr>
+        <p:style>
+          <a:lnRef idx="1">
+            <a:schemeClr val="accent1"/>
+          </a:lnRef>
+          <a:fillRef idx="0">
+            <a:schemeClr val="accent1"/>
+          </a:fillRef>
+          <a:effectRef idx="0">
+            <a:schemeClr val="accent1"/>
+          </a:effectRef>
+          <a:fontRef idx="minor">
+            <a:schemeClr val="tx1"/>
+          </a:fontRef>
+        </p:style>
+      </p:cxnSp>
+      <p:cxnSp>
+        <p:nvCxnSpPr>
+          <p:cNvPr id="17" name="直接连接符 16">
+            <a:extLst>
+              <a:ext uri="{FF2B5EF4-FFF2-40B4-BE49-F238E27FC236}">
+                <a16:creationId xmlns:a16="http://schemas.microsoft.com/office/drawing/2014/main" id="{587E28CB-F6B6-45D9-A107-8EAF45159131}"/>
+              </a:ext>
+            </a:extLst>
+          </p:cNvPr>
+          <p:cNvCxnSpPr>
+            <a:cxnSpLocks/>
+          </p:cNvCxnSpPr>
+          <p:nvPr/>
+        </p:nvCxnSpPr>
+        <p:spPr>
+          <a:xfrm>
+            <a:off x="3890302" y="4023231"/>
+            <a:ext cx="299686" cy="0"/>
+          </a:xfrm>
+          <a:prstGeom prst="line">
+            <a:avLst/>
+          </a:prstGeom>
+          <a:ln w="28575">
+            <a:solidFill>
+              <a:schemeClr val="tx1"/>
+            </a:solidFill>
+          </a:ln>
+        </p:spPr>
+        <p:style>
+          <a:lnRef idx="1">
+            <a:schemeClr val="accent1"/>
+          </a:lnRef>
+          <a:fillRef idx="0">
+            <a:schemeClr val="accent1"/>
+          </a:fillRef>
+          <a:effectRef idx="0">
+            <a:schemeClr val="accent1"/>
+          </a:effectRef>
+          <a:fontRef idx="minor">
+            <a:schemeClr val="tx1"/>
+          </a:fontRef>
+        </p:style>
+      </p:cxnSp>
+    </p:spTree>
+    <p:extLst>
+      <p:ext uri="{BB962C8B-B14F-4D97-AF65-F5344CB8AC3E}">
+        <p14:creationId xmlns:p14="http://schemas.microsoft.com/office/powerpoint/2010/main" val="3482345028"/>
+      </p:ext>
+    </p:extLst>
+  </p:cSld>
+  <p:clrMapOvr>
+    <a:masterClrMapping/>
+  </p:clrMapOvr>
+</p:sld>
+</file>
+
+<file path=ppt/slides/slide3.xml><?xml version="1.0" encoding="utf-8"?>
+<p:sld xmlns:a="http://schemas.openxmlformats.org/drawingml/2006/main" xmlns:r="http://schemas.openxmlformats.org/officeDocument/2006/relationships" xmlns:p="http://schemas.openxmlformats.org/presentationml/2006/main">
+  <p:cSld>
+    <p:spTree>
+      <p:nvGrpSpPr>
+        <p:cNvPr id="1" name=""/>
+        <p:cNvGrpSpPr/>
+        <p:nvPr/>
+      </p:nvGrpSpPr>
+      <p:grpSpPr>
+        <a:xfrm>
+          <a:off x="0" y="0"/>
+          <a:ext cx="0" cy="0"/>
+          <a:chOff x="0" y="0"/>
+          <a:chExt cx="0" cy="0"/>
+        </a:xfrm>
+      </p:grpSpPr>
+      <p:pic>
+        <p:nvPicPr>
+          <p:cNvPr id="3" name="图片 2">
+            <a:extLst>
+              <a:ext uri="{FF2B5EF4-FFF2-40B4-BE49-F238E27FC236}">
+                <a16:creationId xmlns:a16="http://schemas.microsoft.com/office/drawing/2014/main" id="{6A021038-CFE5-4C91-A2CC-73567CB5FBC6}"/>
+              </a:ext>
+            </a:extLst>
+          </p:cNvPr>
+          <p:cNvPicPr>
+            <a:picLocks noChangeAspect="1"/>
+          </p:cNvPicPr>
+          <p:nvPr/>
+        </p:nvPicPr>
+        <p:blipFill>
+          <a:blip r:embed="rId2">
+            <a:extLst>
+              <a:ext uri="{28A0092B-C50C-407E-A947-70E740481C1C}">
+                <a14:useLocalDpi xmlns:a14="http://schemas.microsoft.com/office/drawing/2010/main" val="0"/>
+              </a:ext>
+            </a:extLst>
+          </a:blip>
+          <a:stretch>
+            <a:fillRect/>
+          </a:stretch>
+        </p:blipFill>
+        <p:spPr>
+          <a:xfrm>
+            <a:off x="2575865" y="356572"/>
+            <a:ext cx="7421270" cy="5565953"/>
+          </a:xfrm>
+          <a:prstGeom prst="rect">
+            <a:avLst/>
+          </a:prstGeom>
+        </p:spPr>
+      </p:pic>
+      <p:pic>
+        <p:nvPicPr>
+          <p:cNvPr id="16" name="图片 15">
+            <a:extLst>
+              <a:ext uri="{FF2B5EF4-FFF2-40B4-BE49-F238E27FC236}">
+                <a16:creationId xmlns:a16="http://schemas.microsoft.com/office/drawing/2014/main" id="{9E2BF400-828D-4734-9FD2-FB28696869E8}"/>
+              </a:ext>
+            </a:extLst>
+          </p:cNvPr>
+          <p:cNvPicPr>
+            <a:picLocks noChangeAspect="1"/>
+          </p:cNvPicPr>
+          <p:nvPr/>
+        </p:nvPicPr>
+        <p:blipFill>
+          <a:blip r:embed="rId3">
+            <a:extLst>
+              <a:ext uri="{28A0092B-C50C-407E-A947-70E740481C1C}">
+                <a14:useLocalDpi xmlns:a14="http://schemas.microsoft.com/office/drawing/2010/main" val="0"/>
+              </a:ext>
+            </a:extLst>
+          </a:blip>
+          <a:stretch>
+            <a:fillRect/>
+          </a:stretch>
+        </p:blipFill>
+        <p:spPr>
+          <a:xfrm rot="10800000">
+            <a:off x="8580484" y="2324100"/>
+            <a:ext cx="2166552" cy="2123019"/>
+          </a:xfrm>
+          <a:prstGeom prst="rect">
+            <a:avLst/>
+          </a:prstGeom>
+        </p:spPr>
+      </p:pic>
+      <p:pic>
+        <p:nvPicPr>
+          <p:cNvPr id="18" name="图片 17">
+            <a:extLst>
+              <a:ext uri="{FF2B5EF4-FFF2-40B4-BE49-F238E27FC236}">
+                <a16:creationId xmlns:a16="http://schemas.microsoft.com/office/drawing/2014/main" id="{1647A560-11E7-43B9-9814-675A9FE8437D}"/>
+              </a:ext>
+            </a:extLst>
+          </p:cNvPr>
+          <p:cNvPicPr>
+            <a:picLocks noChangeAspect="1"/>
+          </p:cNvPicPr>
+          <p:nvPr/>
+        </p:nvPicPr>
+        <p:blipFill>
+          <a:blip r:embed="rId4">
+            <a:extLst>
+              <a:ext uri="{28A0092B-C50C-407E-A947-70E740481C1C}">
+                <a14:useLocalDpi xmlns:a14="http://schemas.microsoft.com/office/drawing/2010/main" val="0"/>
+              </a:ext>
+            </a:extLst>
+          </a:blip>
+          <a:stretch>
+            <a:fillRect/>
+          </a:stretch>
+        </p:blipFill>
+        <p:spPr>
+          <a:xfrm rot="5400000">
+            <a:off x="2893991" y="2414542"/>
+            <a:ext cx="1098154" cy="1098154"/>
+          </a:xfrm>
+          <a:prstGeom prst="rect">
+            <a:avLst/>
+          </a:prstGeom>
+        </p:spPr>
+      </p:pic>
+      <p:cxnSp>
+        <p:nvCxnSpPr>
+          <p:cNvPr id="20" name="直接连接符 19">
+            <a:extLst>
+              <a:ext uri="{FF2B5EF4-FFF2-40B4-BE49-F238E27FC236}">
+                <a16:creationId xmlns:a16="http://schemas.microsoft.com/office/drawing/2014/main" id="{6E38A18D-890C-4EBE-8C6B-1DB877B0853E}"/>
+              </a:ext>
+            </a:extLst>
+          </p:cNvPr>
+          <p:cNvCxnSpPr/>
+          <p:nvPr/>
+        </p:nvCxnSpPr>
+        <p:spPr>
+          <a:xfrm>
+            <a:off x="3705225" y="2781300"/>
+            <a:ext cx="428625" cy="0"/>
+          </a:xfrm>
+          <a:prstGeom prst="line">
+            <a:avLst/>
+          </a:prstGeom>
+          <a:ln w="31750">
+            <a:solidFill>
+              <a:srgbClr val="FF0000"/>
+            </a:solidFill>
+          </a:ln>
+        </p:spPr>
+        <p:style>
+          <a:lnRef idx="1">
+            <a:schemeClr val="accent1"/>
+          </a:lnRef>
+          <a:fillRef idx="0">
+            <a:schemeClr val="accent1"/>
+          </a:fillRef>
+          <a:effectRef idx="0">
+            <a:schemeClr val="accent1"/>
+          </a:effectRef>
+          <a:fontRef idx="minor">
+            <a:schemeClr val="tx1"/>
+          </a:fontRef>
+        </p:style>
+      </p:cxnSp>
+      <p:cxnSp>
+        <p:nvCxnSpPr>
+          <p:cNvPr id="21" name="直接连接符 20">
+            <a:extLst>
+              <a:ext uri="{FF2B5EF4-FFF2-40B4-BE49-F238E27FC236}">
+                <a16:creationId xmlns:a16="http://schemas.microsoft.com/office/drawing/2014/main" id="{E4684851-9940-4CC9-90FA-E029D25079EC}"/>
+              </a:ext>
+            </a:extLst>
+          </p:cNvPr>
+          <p:cNvCxnSpPr/>
+          <p:nvPr/>
+        </p:nvCxnSpPr>
+        <p:spPr>
+          <a:xfrm>
+            <a:off x="3705225" y="3143250"/>
+            <a:ext cx="428625" cy="0"/>
+          </a:xfrm>
+          <a:prstGeom prst="line">
+            <a:avLst/>
+          </a:prstGeom>
+          <a:ln w="31750">
+            <a:solidFill>
+              <a:schemeClr val="tx1"/>
+            </a:solidFill>
+          </a:ln>
+        </p:spPr>
+        <p:style>
+          <a:lnRef idx="1">
+            <a:schemeClr val="accent1"/>
+          </a:lnRef>
+          <a:fillRef idx="0">
+            <a:schemeClr val="accent1"/>
+          </a:fillRef>
+          <a:effectRef idx="0">
+            <a:schemeClr val="accent1"/>
+          </a:effectRef>
+          <a:fontRef idx="minor">
+            <a:schemeClr val="tx1"/>
+          </a:fontRef>
+        </p:style>
+      </p:cxnSp>
+      <p:cxnSp>
+        <p:nvCxnSpPr>
+          <p:cNvPr id="22" name="直接连接符 21">
+            <a:extLst>
+              <a:ext uri="{FF2B5EF4-FFF2-40B4-BE49-F238E27FC236}">
+                <a16:creationId xmlns:a16="http://schemas.microsoft.com/office/drawing/2014/main" id="{504F637D-7A92-43D7-8D8C-3BEF5700CFD0}"/>
+              </a:ext>
+            </a:extLst>
+          </p:cNvPr>
+          <p:cNvCxnSpPr>
+            <a:cxnSpLocks/>
+          </p:cNvCxnSpPr>
+          <p:nvPr/>
+        </p:nvCxnSpPr>
+        <p:spPr>
+          <a:xfrm>
+            <a:off x="7781925" y="3933825"/>
+            <a:ext cx="971550" cy="0"/>
+          </a:xfrm>
+          <a:prstGeom prst="line">
+            <a:avLst/>
+          </a:prstGeom>
+          <a:ln w="31750">
+            <a:solidFill>
+              <a:srgbClr val="FF0000"/>
+            </a:solidFill>
+          </a:ln>
+        </p:spPr>
+        <p:style>
+          <a:lnRef idx="1">
+            <a:schemeClr val="accent1"/>
+          </a:lnRef>
+          <a:fillRef idx="0">
+            <a:schemeClr val="accent1"/>
+          </a:fillRef>
+          <a:effectRef idx="0">
+            <a:schemeClr val="accent1"/>
+          </a:effectRef>
+          <a:fontRef idx="minor">
+            <a:schemeClr val="tx1"/>
+          </a:fontRef>
+        </p:style>
+      </p:cxnSp>
+      <p:cxnSp>
+        <p:nvCxnSpPr>
+          <p:cNvPr id="26" name="直接连接符 25">
+            <a:extLst>
+              <a:ext uri="{FF2B5EF4-FFF2-40B4-BE49-F238E27FC236}">
+                <a16:creationId xmlns:a16="http://schemas.microsoft.com/office/drawing/2014/main" id="{960FC6AE-7261-4030-B2EF-C1B2EA5CAF07}"/>
+              </a:ext>
+            </a:extLst>
+          </p:cNvPr>
+          <p:cNvCxnSpPr>
+            <a:cxnSpLocks/>
+          </p:cNvCxnSpPr>
+          <p:nvPr/>
+        </p:nvCxnSpPr>
+        <p:spPr>
+          <a:xfrm>
+            <a:off x="7775575" y="3771900"/>
+            <a:ext cx="647700" cy="0"/>
+          </a:xfrm>
+          <a:prstGeom prst="line">
+            <a:avLst/>
+          </a:prstGeom>
+          <a:ln w="31750">
+            <a:solidFill>
+              <a:schemeClr val="tx1"/>
+            </a:solidFill>
+          </a:ln>
+        </p:spPr>
+        <p:style>
+          <a:lnRef idx="1">
+            <a:schemeClr val="accent1"/>
+          </a:lnRef>
+          <a:fillRef idx="0">
+            <a:schemeClr val="accent1"/>
+          </a:fillRef>
+          <a:effectRef idx="0">
+            <a:schemeClr val="accent1"/>
+          </a:effectRef>
+          <a:fontRef idx="minor">
+            <a:schemeClr val="tx1"/>
+          </a:fontRef>
+        </p:style>
+      </p:cxnSp>
+      <p:cxnSp>
+        <p:nvCxnSpPr>
+          <p:cNvPr id="28" name="直接连接符 27">
+            <a:extLst>
+              <a:ext uri="{FF2B5EF4-FFF2-40B4-BE49-F238E27FC236}">
+                <a16:creationId xmlns:a16="http://schemas.microsoft.com/office/drawing/2014/main" id="{630F6012-D7AE-4079-9FB6-6947D771D514}"/>
+              </a:ext>
+            </a:extLst>
+          </p:cNvPr>
+          <p:cNvCxnSpPr>
+            <a:cxnSpLocks/>
+          </p:cNvCxnSpPr>
+          <p:nvPr/>
+        </p:nvCxnSpPr>
+        <p:spPr>
+          <a:xfrm>
+            <a:off x="7781925" y="4105275"/>
+            <a:ext cx="641350" cy="0"/>
+          </a:xfrm>
+          <a:prstGeom prst="line">
+            <a:avLst/>
+          </a:prstGeom>
+          <a:ln w="31750">
+            <a:solidFill>
+              <a:schemeClr val="accent2"/>
+            </a:solidFill>
+          </a:ln>
+        </p:spPr>
+        <p:style>
+          <a:lnRef idx="1">
+            <a:schemeClr val="accent1"/>
+          </a:lnRef>
+          <a:fillRef idx="0">
+            <a:schemeClr val="accent1"/>
+          </a:fillRef>
+          <a:effectRef idx="0">
+            <a:schemeClr val="accent1"/>
+          </a:effectRef>
+          <a:fontRef idx="minor">
+            <a:schemeClr val="tx1"/>
+          </a:fontRef>
+        </p:style>
+      </p:cxnSp>
+      <p:cxnSp>
+        <p:nvCxnSpPr>
+          <p:cNvPr id="30" name="直接连接符 29">
+            <a:extLst>
+              <a:ext uri="{FF2B5EF4-FFF2-40B4-BE49-F238E27FC236}">
+                <a16:creationId xmlns:a16="http://schemas.microsoft.com/office/drawing/2014/main" id="{619F7489-FB90-4EDE-962C-95763AD21125}"/>
+              </a:ext>
+            </a:extLst>
+          </p:cNvPr>
+          <p:cNvCxnSpPr>
+            <a:cxnSpLocks/>
+          </p:cNvCxnSpPr>
+          <p:nvPr/>
+        </p:nvCxnSpPr>
+        <p:spPr>
+          <a:xfrm>
+            <a:off x="8405859" y="3771900"/>
+            <a:ext cx="0" cy="98425"/>
+          </a:xfrm>
+          <a:prstGeom prst="line">
+            <a:avLst/>
+          </a:prstGeom>
+          <a:ln w="31750">
+            <a:solidFill>
+              <a:schemeClr val="tx1"/>
+            </a:solidFill>
+          </a:ln>
+        </p:spPr>
+        <p:style>
+          <a:lnRef idx="1">
+            <a:schemeClr val="accent1"/>
+          </a:lnRef>
+          <a:fillRef idx="0">
+            <a:schemeClr val="accent1"/>
+          </a:fillRef>
+          <a:effectRef idx="0">
+            <a:schemeClr val="accent1"/>
+          </a:effectRef>
+          <a:fontRef idx="minor">
+            <a:schemeClr val="tx1"/>
+          </a:fontRef>
+        </p:style>
+      </p:cxnSp>
+      <p:cxnSp>
+        <p:nvCxnSpPr>
+          <p:cNvPr id="32" name="直接连接符 31">
+            <a:extLst>
+              <a:ext uri="{FF2B5EF4-FFF2-40B4-BE49-F238E27FC236}">
+                <a16:creationId xmlns:a16="http://schemas.microsoft.com/office/drawing/2014/main" id="{63E98529-1CF9-4635-8463-3745ED4F70ED}"/>
+              </a:ext>
+            </a:extLst>
+          </p:cNvPr>
+          <p:cNvCxnSpPr/>
+          <p:nvPr/>
+        </p:nvCxnSpPr>
+        <p:spPr>
+          <a:xfrm>
+            <a:off x="8391525" y="3860800"/>
+            <a:ext cx="361950" cy="0"/>
+          </a:xfrm>
+          <a:prstGeom prst="line">
+            <a:avLst/>
+          </a:prstGeom>
+          <a:ln w="31750">
+            <a:solidFill>
+              <a:schemeClr val="tx1"/>
+            </a:solidFill>
+          </a:ln>
+        </p:spPr>
+        <p:style>
+          <a:lnRef idx="1">
+            <a:schemeClr val="accent1"/>
+          </a:lnRef>
+          <a:fillRef idx="0">
+            <a:schemeClr val="accent1"/>
+          </a:fillRef>
+          <a:effectRef idx="0">
+            <a:schemeClr val="accent1"/>
+          </a:effectRef>
+          <a:fontRef idx="minor">
+            <a:schemeClr val="tx1"/>
+          </a:fontRef>
+        </p:style>
+      </p:cxnSp>
+      <p:cxnSp>
+        <p:nvCxnSpPr>
+          <p:cNvPr id="38" name="直接连接符 37">
+            <a:extLst>
+              <a:ext uri="{FF2B5EF4-FFF2-40B4-BE49-F238E27FC236}">
+                <a16:creationId xmlns:a16="http://schemas.microsoft.com/office/drawing/2014/main" id="{EA303802-1F32-4785-9723-ABB0DC34BC5E}"/>
+              </a:ext>
+            </a:extLst>
+          </p:cNvPr>
+          <p:cNvCxnSpPr/>
+          <p:nvPr/>
+        </p:nvCxnSpPr>
+        <p:spPr>
+          <a:xfrm>
+            <a:off x="8391525" y="4010025"/>
+            <a:ext cx="361950" cy="0"/>
+          </a:xfrm>
+          <a:prstGeom prst="line">
+            <a:avLst/>
+          </a:prstGeom>
+          <a:ln w="31750">
+            <a:solidFill>
+              <a:schemeClr val="accent2"/>
+            </a:solidFill>
+          </a:ln>
+        </p:spPr>
+        <p:style>
+          <a:lnRef idx="1">
+            <a:schemeClr val="accent1"/>
+          </a:lnRef>
+          <a:fillRef idx="0">
+            <a:schemeClr val="accent1"/>
+          </a:fillRef>
+          <a:effectRef idx="0">
+            <a:schemeClr val="accent1"/>
+          </a:effectRef>
+          <a:fontRef idx="minor">
+            <a:schemeClr val="tx1"/>
+          </a:fontRef>
+        </p:style>
+      </p:cxnSp>
+      <p:cxnSp>
+        <p:nvCxnSpPr>
+          <p:cNvPr id="39" name="直接连接符 38">
+            <a:extLst>
+              <a:ext uri="{FF2B5EF4-FFF2-40B4-BE49-F238E27FC236}">
+                <a16:creationId xmlns:a16="http://schemas.microsoft.com/office/drawing/2014/main" id="{2778CE78-B24F-4F3D-A676-7C6F352D380B}"/>
+              </a:ext>
+            </a:extLst>
+          </p:cNvPr>
+          <p:cNvCxnSpPr>
+            <a:cxnSpLocks/>
+          </p:cNvCxnSpPr>
+          <p:nvPr/>
+        </p:nvCxnSpPr>
+        <p:spPr>
+          <a:xfrm>
+            <a:off x="8405859" y="4010025"/>
+            <a:ext cx="0" cy="82550"/>
+          </a:xfrm>
+          <a:prstGeom prst="line">
+            <a:avLst/>
+          </a:prstGeom>
+          <a:ln w="31750">
+            <a:solidFill>
+              <a:schemeClr val="accent2"/>
+            </a:solidFill>
+          </a:ln>
+        </p:spPr>
+        <p:style>
+          <a:lnRef idx="1">
+            <a:schemeClr val="accent1"/>
+          </a:lnRef>
+          <a:fillRef idx="0">
+            <a:schemeClr val="accent1"/>
+          </a:fillRef>
+          <a:effectRef idx="0">
+            <a:schemeClr val="accent1"/>
+          </a:effectRef>
+          <a:fontRef idx="minor">
+            <a:schemeClr val="tx1"/>
+          </a:fontRef>
+        </p:style>
+      </p:cxnSp>
+    </p:spTree>
+    <p:extLst>
+      <p:ext uri="{BB962C8B-B14F-4D97-AF65-F5344CB8AC3E}">
+        <p14:creationId xmlns:p14="http://schemas.microsoft.com/office/powerpoint/2010/main" val="1347194553"/>
       </p:ext>
     </p:extLst>
   </p:cSld>

--- a/img/pin-out/pin_map.pptx
+++ b/img/pin-out/pin_map.pptx
@@ -5,12 +5,13 @@
     <p:sldMasterId id="2147483648" r:id="rId1"/>
   </p:sldMasterIdLst>
   <p:notesMasterIdLst>
-    <p:notesMasterId r:id="rId5"/>
+    <p:notesMasterId r:id="rId6"/>
   </p:notesMasterIdLst>
   <p:sldIdLst>
     <p:sldId id="256" r:id="rId2"/>
     <p:sldId id="258" r:id="rId3"/>
     <p:sldId id="259" r:id="rId4"/>
+    <p:sldId id="260" r:id="rId5"/>
   </p:sldIdLst>
   <p:sldSz cx="12192000" cy="6858000"/>
   <p:notesSz cx="6858000" cy="9144000"/>
@@ -211,7 +212,7 @@
           <a:p>
             <a:fld id="{4EB02BDD-3154-492D-BE59-59C507D5296B}" type="datetimeFigureOut">
               <a:rPr lang="zh-CN" altLang="en-US" smtClean="0"/>
-              <a:t>2018/11/29</a:t>
+              <a:t>2019/1/29</a:t>
             </a:fld>
             <a:endParaRPr lang="zh-CN" altLang="en-US"/>
           </a:p>
@@ -711,7 +712,7 @@
           <a:p>
             <a:fld id="{6BAEC7DB-416E-4648-AE31-15D6F0A9A9FB}" type="datetimeFigureOut">
               <a:rPr lang="en-US" smtClean="0"/>
-              <a:t>11/29/2018</a:t>
+              <a:t>1/29/2019</a:t>
             </a:fld>
             <a:endParaRPr lang="en-US"/>
           </a:p>
@@ -911,7 +912,7 @@
           <a:p>
             <a:fld id="{6BAEC7DB-416E-4648-AE31-15D6F0A9A9FB}" type="datetimeFigureOut">
               <a:rPr lang="en-US" smtClean="0"/>
-              <a:t>11/29/2018</a:t>
+              <a:t>1/29/2019</a:t>
             </a:fld>
             <a:endParaRPr lang="en-US"/>
           </a:p>
@@ -1121,7 +1122,7 @@
           <a:p>
             <a:fld id="{6BAEC7DB-416E-4648-AE31-15D6F0A9A9FB}" type="datetimeFigureOut">
               <a:rPr lang="en-US" smtClean="0"/>
-              <a:t>11/29/2018</a:t>
+              <a:t>1/29/2019</a:t>
             </a:fld>
             <a:endParaRPr lang="en-US"/>
           </a:p>
@@ -1321,7 +1322,7 @@
           <a:p>
             <a:fld id="{6BAEC7DB-416E-4648-AE31-15D6F0A9A9FB}" type="datetimeFigureOut">
               <a:rPr lang="en-US" smtClean="0"/>
-              <a:t>11/29/2018</a:t>
+              <a:t>1/29/2019</a:t>
             </a:fld>
             <a:endParaRPr lang="en-US"/>
           </a:p>
@@ -1597,7 +1598,7 @@
           <a:p>
             <a:fld id="{6BAEC7DB-416E-4648-AE31-15D6F0A9A9FB}" type="datetimeFigureOut">
               <a:rPr lang="en-US" smtClean="0"/>
-              <a:t>11/29/2018</a:t>
+              <a:t>1/29/2019</a:t>
             </a:fld>
             <a:endParaRPr lang="en-US"/>
           </a:p>
@@ -1865,7 +1866,7 @@
           <a:p>
             <a:fld id="{6BAEC7DB-416E-4648-AE31-15D6F0A9A9FB}" type="datetimeFigureOut">
               <a:rPr lang="en-US" smtClean="0"/>
-              <a:t>11/29/2018</a:t>
+              <a:t>1/29/2019</a:t>
             </a:fld>
             <a:endParaRPr lang="en-US"/>
           </a:p>
@@ -2280,7 +2281,7 @@
           <a:p>
             <a:fld id="{6BAEC7DB-416E-4648-AE31-15D6F0A9A9FB}" type="datetimeFigureOut">
               <a:rPr lang="en-US" smtClean="0"/>
-              <a:t>11/29/2018</a:t>
+              <a:t>1/29/2019</a:t>
             </a:fld>
             <a:endParaRPr lang="en-US"/>
           </a:p>
@@ -2422,7 +2423,7 @@
           <a:p>
             <a:fld id="{6BAEC7DB-416E-4648-AE31-15D6F0A9A9FB}" type="datetimeFigureOut">
               <a:rPr lang="en-US" smtClean="0"/>
-              <a:t>11/29/2018</a:t>
+              <a:t>1/29/2019</a:t>
             </a:fld>
             <a:endParaRPr lang="en-US"/>
           </a:p>
@@ -2535,7 +2536,7 @@
           <a:p>
             <a:fld id="{6BAEC7DB-416E-4648-AE31-15D6F0A9A9FB}" type="datetimeFigureOut">
               <a:rPr lang="en-US" smtClean="0"/>
-              <a:t>11/29/2018</a:t>
+              <a:t>1/29/2019</a:t>
             </a:fld>
             <a:endParaRPr lang="en-US"/>
           </a:p>
@@ -2848,7 +2849,7 @@
           <a:p>
             <a:fld id="{6BAEC7DB-416E-4648-AE31-15D6F0A9A9FB}" type="datetimeFigureOut">
               <a:rPr lang="en-US" smtClean="0"/>
-              <a:t>11/29/2018</a:t>
+              <a:t>1/29/2019</a:t>
             </a:fld>
             <a:endParaRPr lang="en-US"/>
           </a:p>
@@ -3137,7 +3138,7 @@
           <a:p>
             <a:fld id="{6BAEC7DB-416E-4648-AE31-15D6F0A9A9FB}" type="datetimeFigureOut">
               <a:rPr lang="en-US" smtClean="0"/>
-              <a:t>11/29/2018</a:t>
+              <a:t>1/29/2019</a:t>
             </a:fld>
             <a:endParaRPr lang="en-US"/>
           </a:p>
@@ -3380,7 +3381,7 @@
           <a:p>
             <a:fld id="{6BAEC7DB-416E-4648-AE31-15D6F0A9A9FB}" type="datetimeFigureOut">
               <a:rPr lang="en-US" smtClean="0"/>
-              <a:t>11/29/2018</a:t>
+              <a:t>1/29/2019</a:t>
             </a:fld>
             <a:endParaRPr lang="en-US"/>
           </a:p>
@@ -5336,6 +5337,1946 @@
     <p:extLst>
       <p:ext uri="{BB962C8B-B14F-4D97-AF65-F5344CB8AC3E}">
         <p14:creationId xmlns:p14="http://schemas.microsoft.com/office/powerpoint/2010/main" val="1347194553"/>
+      </p:ext>
+    </p:extLst>
+  </p:cSld>
+  <p:clrMapOvr>
+    <a:masterClrMapping/>
+  </p:clrMapOvr>
+</p:sld>
+</file>
+
+<file path=ppt/slides/slide4.xml><?xml version="1.0" encoding="utf-8"?>
+<p:sld xmlns:a="http://schemas.openxmlformats.org/drawingml/2006/main" xmlns:r="http://schemas.openxmlformats.org/officeDocument/2006/relationships" xmlns:p="http://schemas.openxmlformats.org/presentationml/2006/main">
+  <p:cSld>
+    <p:spTree>
+      <p:nvGrpSpPr>
+        <p:cNvPr id="1" name=""/>
+        <p:cNvGrpSpPr/>
+        <p:nvPr/>
+      </p:nvGrpSpPr>
+      <p:grpSpPr>
+        <a:xfrm>
+          <a:off x="0" y="0"/>
+          <a:ext cx="0" cy="0"/>
+          <a:chOff x="0" y="0"/>
+          <a:chExt cx="0" cy="0"/>
+        </a:xfrm>
+      </p:grpSpPr>
+      <p:pic>
+        <p:nvPicPr>
+          <p:cNvPr id="3" name="图片 2">
+            <a:extLst>
+              <a:ext uri="{FF2B5EF4-FFF2-40B4-BE49-F238E27FC236}">
+                <a16:creationId xmlns:a16="http://schemas.microsoft.com/office/drawing/2014/main" id="{305383DB-81AB-40C7-B0F1-EF88DA6B2E6E}"/>
+              </a:ext>
+            </a:extLst>
+          </p:cNvPr>
+          <p:cNvPicPr>
+            <a:picLocks noChangeAspect="1"/>
+          </p:cNvPicPr>
+          <p:nvPr/>
+        </p:nvPicPr>
+        <p:blipFill>
+          <a:blip r:embed="rId2">
+            <a:extLst>
+              <a:ext uri="{28A0092B-C50C-407E-A947-70E740481C1C}">
+                <a14:useLocalDpi xmlns:a14="http://schemas.microsoft.com/office/drawing/2010/main" val="0"/>
+              </a:ext>
+            </a:extLst>
+          </a:blip>
+          <a:stretch>
+            <a:fillRect/>
+          </a:stretch>
+        </p:blipFill>
+        <p:spPr>
+          <a:xfrm>
+            <a:off x="-345933" y="-342503"/>
+            <a:ext cx="8111232" cy="6083425"/>
+          </a:xfrm>
+          <a:prstGeom prst="rect">
+            <a:avLst/>
+          </a:prstGeom>
+        </p:spPr>
+      </p:pic>
+      <p:pic>
+        <p:nvPicPr>
+          <p:cNvPr id="4" name="图片 3">
+            <a:extLst>
+              <a:ext uri="{FF2B5EF4-FFF2-40B4-BE49-F238E27FC236}">
+                <a16:creationId xmlns:a16="http://schemas.microsoft.com/office/drawing/2014/main" id="{30CC71C7-47A9-458E-8424-7B467934545B}"/>
+              </a:ext>
+            </a:extLst>
+          </p:cNvPr>
+          <p:cNvPicPr>
+            <a:picLocks noChangeAspect="1"/>
+          </p:cNvPicPr>
+          <p:nvPr/>
+        </p:nvPicPr>
+        <p:blipFill>
+          <a:blip r:embed="rId3"/>
+          <a:stretch>
+            <a:fillRect/>
+          </a:stretch>
+        </p:blipFill>
+        <p:spPr>
+          <a:xfrm>
+            <a:off x="6577191" y="881396"/>
+            <a:ext cx="5177995" cy="2450592"/>
+          </a:xfrm>
+          <a:prstGeom prst="rect">
+            <a:avLst/>
+          </a:prstGeom>
+        </p:spPr>
+      </p:pic>
+      <p:grpSp>
+        <p:nvGrpSpPr>
+          <p:cNvPr id="21" name="组合 20">
+            <a:extLst>
+              <a:ext uri="{FF2B5EF4-FFF2-40B4-BE49-F238E27FC236}">
+                <a16:creationId xmlns:a16="http://schemas.microsoft.com/office/drawing/2014/main" id="{BCE14A31-3F88-4641-A2DA-265353B35525}"/>
+              </a:ext>
+            </a:extLst>
+          </p:cNvPr>
+          <p:cNvGrpSpPr/>
+          <p:nvPr/>
+        </p:nvGrpSpPr>
+        <p:grpSpPr>
+          <a:xfrm>
+            <a:off x="667512" y="4608576"/>
+            <a:ext cx="1612392" cy="402336"/>
+            <a:chOff x="1609344" y="4599432"/>
+            <a:chExt cx="1612392" cy="402336"/>
+          </a:xfrm>
+        </p:grpSpPr>
+        <p:sp>
+          <p:nvSpPr>
+            <p:cNvPr id="20" name="矩形 19">
+              <a:extLst>
+                <a:ext uri="{FF2B5EF4-FFF2-40B4-BE49-F238E27FC236}">
+                  <a16:creationId xmlns:a16="http://schemas.microsoft.com/office/drawing/2014/main" id="{67242E85-69D1-460C-9841-0E30FBC57FA8}"/>
+                </a:ext>
+              </a:extLst>
+            </p:cNvPr>
+            <p:cNvSpPr/>
+            <p:nvPr/>
+          </p:nvSpPr>
+          <p:spPr>
+            <a:xfrm>
+              <a:off x="2496312" y="4732020"/>
+              <a:ext cx="429768" cy="137160"/>
+            </a:xfrm>
+            <a:prstGeom prst="rect">
+              <a:avLst/>
+            </a:prstGeom>
+            <a:solidFill>
+              <a:schemeClr val="bg2">
+                <a:lumMod val="50000"/>
+              </a:schemeClr>
+            </a:solidFill>
+            <a:ln>
+              <a:solidFill>
+                <a:schemeClr val="bg2">
+                  <a:lumMod val="75000"/>
+                </a:schemeClr>
+              </a:solidFill>
+            </a:ln>
+          </p:spPr>
+          <p:style>
+            <a:lnRef idx="2">
+              <a:schemeClr val="accent1">
+                <a:shade val="50000"/>
+              </a:schemeClr>
+            </a:lnRef>
+            <a:fillRef idx="1">
+              <a:schemeClr val="accent1"/>
+            </a:fillRef>
+            <a:effectRef idx="0">
+              <a:schemeClr val="accent1"/>
+            </a:effectRef>
+            <a:fontRef idx="minor">
+              <a:schemeClr val="lt1"/>
+            </a:fontRef>
+          </p:style>
+          <p:txBody>
+            <a:bodyPr rtlCol="0" anchor="ctr"/>
+            <a:lstStyle/>
+            <a:p>
+              <a:pPr algn="ctr"/>
+              <a:endParaRPr lang="en-US"/>
+            </a:p>
+          </p:txBody>
+        </p:sp>
+        <p:sp>
+          <p:nvSpPr>
+            <p:cNvPr id="5" name="矩形 4">
+              <a:extLst>
+                <a:ext uri="{FF2B5EF4-FFF2-40B4-BE49-F238E27FC236}">
+                  <a16:creationId xmlns:a16="http://schemas.microsoft.com/office/drawing/2014/main" id="{687646C8-BF60-422B-B3FD-12386250520D}"/>
+                </a:ext>
+              </a:extLst>
+            </p:cNvPr>
+            <p:cNvSpPr/>
+            <p:nvPr/>
+          </p:nvSpPr>
+          <p:spPr>
+            <a:xfrm>
+              <a:off x="1609344" y="4599432"/>
+              <a:ext cx="429768" cy="402336"/>
+            </a:xfrm>
+            <a:prstGeom prst="rect">
+              <a:avLst/>
+            </a:prstGeom>
+          </p:spPr>
+          <p:style>
+            <a:lnRef idx="2">
+              <a:schemeClr val="dk1">
+                <a:shade val="50000"/>
+              </a:schemeClr>
+            </a:lnRef>
+            <a:fillRef idx="1">
+              <a:schemeClr val="dk1"/>
+            </a:fillRef>
+            <a:effectRef idx="0">
+              <a:schemeClr val="dk1"/>
+            </a:effectRef>
+            <a:fontRef idx="minor">
+              <a:schemeClr val="lt1"/>
+            </a:fontRef>
+          </p:style>
+          <p:txBody>
+            <a:bodyPr rtlCol="0" anchor="ctr"/>
+            <a:lstStyle/>
+            <a:p>
+              <a:pPr algn="ctr"/>
+              <a:endParaRPr lang="en-US"/>
+            </a:p>
+          </p:txBody>
+        </p:sp>
+        <p:sp>
+          <p:nvSpPr>
+            <p:cNvPr id="10" name="矩形 9">
+              <a:extLst>
+                <a:ext uri="{FF2B5EF4-FFF2-40B4-BE49-F238E27FC236}">
+                  <a16:creationId xmlns:a16="http://schemas.microsoft.com/office/drawing/2014/main" id="{4F5E9D5F-E3C2-459E-A055-8C642B1670BE}"/>
+                </a:ext>
+              </a:extLst>
+            </p:cNvPr>
+            <p:cNvSpPr/>
+            <p:nvPr/>
+          </p:nvSpPr>
+          <p:spPr>
+            <a:xfrm>
+              <a:off x="2200656" y="4599432"/>
+              <a:ext cx="429768" cy="402336"/>
+            </a:xfrm>
+            <a:prstGeom prst="rect">
+              <a:avLst/>
+            </a:prstGeom>
+            <a:solidFill>
+              <a:schemeClr val="bg2">
+                <a:lumMod val="50000"/>
+              </a:schemeClr>
+            </a:solidFill>
+            <a:ln>
+              <a:solidFill>
+                <a:schemeClr val="bg2">
+                  <a:lumMod val="50000"/>
+                </a:schemeClr>
+              </a:solidFill>
+            </a:ln>
+          </p:spPr>
+          <p:style>
+            <a:lnRef idx="2">
+              <a:schemeClr val="dk1">
+                <a:shade val="50000"/>
+              </a:schemeClr>
+            </a:lnRef>
+            <a:fillRef idx="1">
+              <a:schemeClr val="dk1"/>
+            </a:fillRef>
+            <a:effectRef idx="0">
+              <a:schemeClr val="dk1"/>
+            </a:effectRef>
+            <a:fontRef idx="minor">
+              <a:schemeClr val="lt1"/>
+            </a:fontRef>
+          </p:style>
+          <p:txBody>
+            <a:bodyPr rtlCol="0" anchor="ctr"/>
+            <a:lstStyle/>
+            <a:p>
+              <a:pPr algn="ctr"/>
+              <a:endParaRPr lang="en-US"/>
+            </a:p>
+          </p:txBody>
+        </p:sp>
+        <p:sp>
+          <p:nvSpPr>
+            <p:cNvPr id="11" name="矩形 10">
+              <a:extLst>
+                <a:ext uri="{FF2B5EF4-FFF2-40B4-BE49-F238E27FC236}">
+                  <a16:creationId xmlns:a16="http://schemas.microsoft.com/office/drawing/2014/main" id="{2F3493F3-4C6D-48AB-9F1D-C9D894A4DA60}"/>
+                </a:ext>
+              </a:extLst>
+            </p:cNvPr>
+            <p:cNvSpPr/>
+            <p:nvPr/>
+          </p:nvSpPr>
+          <p:spPr>
+            <a:xfrm>
+              <a:off x="2791968" y="4599432"/>
+              <a:ext cx="429768" cy="402336"/>
+            </a:xfrm>
+            <a:prstGeom prst="rect">
+              <a:avLst/>
+            </a:prstGeom>
+            <a:solidFill>
+              <a:srgbClr val="FF0000"/>
+            </a:solidFill>
+            <a:ln>
+              <a:solidFill>
+                <a:srgbClr val="FF0000"/>
+              </a:solidFill>
+            </a:ln>
+          </p:spPr>
+          <p:style>
+            <a:lnRef idx="2">
+              <a:schemeClr val="dk1">
+                <a:shade val="50000"/>
+              </a:schemeClr>
+            </a:lnRef>
+            <a:fillRef idx="1">
+              <a:schemeClr val="dk1"/>
+            </a:fillRef>
+            <a:effectRef idx="0">
+              <a:schemeClr val="dk1"/>
+            </a:effectRef>
+            <a:fontRef idx="minor">
+              <a:schemeClr val="lt1"/>
+            </a:fontRef>
+          </p:style>
+          <p:txBody>
+            <a:bodyPr rtlCol="0" anchor="ctr"/>
+            <a:lstStyle/>
+            <a:p>
+              <a:pPr algn="ctr"/>
+              <a:endParaRPr lang="en-US"/>
+            </a:p>
+          </p:txBody>
+        </p:sp>
+      </p:grpSp>
+      <p:grpSp>
+        <p:nvGrpSpPr>
+          <p:cNvPr id="22" name="组合 21">
+            <a:extLst>
+              <a:ext uri="{FF2B5EF4-FFF2-40B4-BE49-F238E27FC236}">
+                <a16:creationId xmlns:a16="http://schemas.microsoft.com/office/drawing/2014/main" id="{41F25BD2-8BE3-4246-9AC2-3B611D36D5A5}"/>
+              </a:ext>
+            </a:extLst>
+          </p:cNvPr>
+          <p:cNvGrpSpPr/>
+          <p:nvPr/>
+        </p:nvGrpSpPr>
+        <p:grpSpPr>
+          <a:xfrm>
+            <a:off x="2834640" y="4608576"/>
+            <a:ext cx="1612392" cy="402336"/>
+            <a:chOff x="1609344" y="4599432"/>
+            <a:chExt cx="1612392" cy="402336"/>
+          </a:xfrm>
+        </p:grpSpPr>
+        <p:sp>
+          <p:nvSpPr>
+            <p:cNvPr id="23" name="矩形 22">
+              <a:extLst>
+                <a:ext uri="{FF2B5EF4-FFF2-40B4-BE49-F238E27FC236}">
+                  <a16:creationId xmlns:a16="http://schemas.microsoft.com/office/drawing/2014/main" id="{DF6E54A5-4CC0-43BB-ABA9-D9A635EBB342}"/>
+                </a:ext>
+              </a:extLst>
+            </p:cNvPr>
+            <p:cNvSpPr/>
+            <p:nvPr/>
+          </p:nvSpPr>
+          <p:spPr>
+            <a:xfrm>
+              <a:off x="2496312" y="4732020"/>
+              <a:ext cx="429768" cy="137160"/>
+            </a:xfrm>
+            <a:prstGeom prst="rect">
+              <a:avLst/>
+            </a:prstGeom>
+            <a:solidFill>
+              <a:schemeClr val="bg2">
+                <a:lumMod val="50000"/>
+              </a:schemeClr>
+            </a:solidFill>
+            <a:ln>
+              <a:solidFill>
+                <a:schemeClr val="bg2">
+                  <a:lumMod val="75000"/>
+                </a:schemeClr>
+              </a:solidFill>
+            </a:ln>
+          </p:spPr>
+          <p:style>
+            <a:lnRef idx="2">
+              <a:schemeClr val="accent1">
+                <a:shade val="50000"/>
+              </a:schemeClr>
+            </a:lnRef>
+            <a:fillRef idx="1">
+              <a:schemeClr val="accent1"/>
+            </a:fillRef>
+            <a:effectRef idx="0">
+              <a:schemeClr val="accent1"/>
+            </a:effectRef>
+            <a:fontRef idx="minor">
+              <a:schemeClr val="lt1"/>
+            </a:fontRef>
+          </p:style>
+          <p:txBody>
+            <a:bodyPr rtlCol="0" anchor="ctr"/>
+            <a:lstStyle/>
+            <a:p>
+              <a:pPr algn="ctr"/>
+              <a:endParaRPr lang="en-US"/>
+            </a:p>
+          </p:txBody>
+        </p:sp>
+        <p:sp>
+          <p:nvSpPr>
+            <p:cNvPr id="24" name="矩形 23">
+              <a:extLst>
+                <a:ext uri="{FF2B5EF4-FFF2-40B4-BE49-F238E27FC236}">
+                  <a16:creationId xmlns:a16="http://schemas.microsoft.com/office/drawing/2014/main" id="{80849135-F3A4-4A9C-85FA-8FC9E0302F7E}"/>
+                </a:ext>
+              </a:extLst>
+            </p:cNvPr>
+            <p:cNvSpPr/>
+            <p:nvPr/>
+          </p:nvSpPr>
+          <p:spPr>
+            <a:xfrm>
+              <a:off x="1609344" y="4599432"/>
+              <a:ext cx="429768" cy="402336"/>
+            </a:xfrm>
+            <a:prstGeom prst="rect">
+              <a:avLst/>
+            </a:prstGeom>
+          </p:spPr>
+          <p:style>
+            <a:lnRef idx="2">
+              <a:schemeClr val="dk1">
+                <a:shade val="50000"/>
+              </a:schemeClr>
+            </a:lnRef>
+            <a:fillRef idx="1">
+              <a:schemeClr val="dk1"/>
+            </a:fillRef>
+            <a:effectRef idx="0">
+              <a:schemeClr val="dk1"/>
+            </a:effectRef>
+            <a:fontRef idx="minor">
+              <a:schemeClr val="lt1"/>
+            </a:fontRef>
+          </p:style>
+          <p:txBody>
+            <a:bodyPr rtlCol="0" anchor="ctr"/>
+            <a:lstStyle/>
+            <a:p>
+              <a:pPr algn="ctr"/>
+              <a:endParaRPr lang="en-US"/>
+            </a:p>
+          </p:txBody>
+        </p:sp>
+        <p:sp>
+          <p:nvSpPr>
+            <p:cNvPr id="25" name="矩形 24">
+              <a:extLst>
+                <a:ext uri="{FF2B5EF4-FFF2-40B4-BE49-F238E27FC236}">
+                  <a16:creationId xmlns:a16="http://schemas.microsoft.com/office/drawing/2014/main" id="{13F51A8B-F292-4582-BF56-6CEB81B4E22E}"/>
+                </a:ext>
+              </a:extLst>
+            </p:cNvPr>
+            <p:cNvSpPr/>
+            <p:nvPr/>
+          </p:nvSpPr>
+          <p:spPr>
+            <a:xfrm>
+              <a:off x="2200656" y="4599432"/>
+              <a:ext cx="429768" cy="402336"/>
+            </a:xfrm>
+            <a:prstGeom prst="rect">
+              <a:avLst/>
+            </a:prstGeom>
+            <a:solidFill>
+              <a:schemeClr val="bg2">
+                <a:lumMod val="50000"/>
+              </a:schemeClr>
+            </a:solidFill>
+            <a:ln>
+              <a:solidFill>
+                <a:schemeClr val="bg2">
+                  <a:lumMod val="50000"/>
+                </a:schemeClr>
+              </a:solidFill>
+            </a:ln>
+          </p:spPr>
+          <p:style>
+            <a:lnRef idx="2">
+              <a:schemeClr val="dk1">
+                <a:shade val="50000"/>
+              </a:schemeClr>
+            </a:lnRef>
+            <a:fillRef idx="1">
+              <a:schemeClr val="dk1"/>
+            </a:fillRef>
+            <a:effectRef idx="0">
+              <a:schemeClr val="dk1"/>
+            </a:effectRef>
+            <a:fontRef idx="minor">
+              <a:schemeClr val="lt1"/>
+            </a:fontRef>
+          </p:style>
+          <p:txBody>
+            <a:bodyPr rtlCol="0" anchor="ctr"/>
+            <a:lstStyle/>
+            <a:p>
+              <a:pPr algn="ctr"/>
+              <a:endParaRPr lang="en-US"/>
+            </a:p>
+          </p:txBody>
+        </p:sp>
+        <p:sp>
+          <p:nvSpPr>
+            <p:cNvPr id="26" name="矩形 25">
+              <a:extLst>
+                <a:ext uri="{FF2B5EF4-FFF2-40B4-BE49-F238E27FC236}">
+                  <a16:creationId xmlns:a16="http://schemas.microsoft.com/office/drawing/2014/main" id="{D5A56A32-48E2-433A-AB6B-52C352561ED4}"/>
+                </a:ext>
+              </a:extLst>
+            </p:cNvPr>
+            <p:cNvSpPr/>
+            <p:nvPr/>
+          </p:nvSpPr>
+          <p:spPr>
+            <a:xfrm>
+              <a:off x="2791968" y="4599432"/>
+              <a:ext cx="429768" cy="402336"/>
+            </a:xfrm>
+            <a:prstGeom prst="rect">
+              <a:avLst/>
+            </a:prstGeom>
+            <a:solidFill>
+              <a:srgbClr val="FF0000"/>
+            </a:solidFill>
+            <a:ln>
+              <a:solidFill>
+                <a:srgbClr val="FF0000"/>
+              </a:solidFill>
+            </a:ln>
+          </p:spPr>
+          <p:style>
+            <a:lnRef idx="2">
+              <a:schemeClr val="dk1">
+                <a:shade val="50000"/>
+              </a:schemeClr>
+            </a:lnRef>
+            <a:fillRef idx="1">
+              <a:schemeClr val="dk1"/>
+            </a:fillRef>
+            <a:effectRef idx="0">
+              <a:schemeClr val="dk1"/>
+            </a:effectRef>
+            <a:fontRef idx="minor">
+              <a:schemeClr val="lt1"/>
+            </a:fontRef>
+          </p:style>
+          <p:txBody>
+            <a:bodyPr rtlCol="0" anchor="ctr"/>
+            <a:lstStyle/>
+            <a:p>
+              <a:pPr algn="ctr"/>
+              <a:endParaRPr lang="en-US"/>
+            </a:p>
+          </p:txBody>
+        </p:sp>
+      </p:grpSp>
+      <p:grpSp>
+        <p:nvGrpSpPr>
+          <p:cNvPr id="27" name="组合 26">
+            <a:extLst>
+              <a:ext uri="{FF2B5EF4-FFF2-40B4-BE49-F238E27FC236}">
+                <a16:creationId xmlns:a16="http://schemas.microsoft.com/office/drawing/2014/main" id="{3257E366-30CF-4483-934E-4FACC17DBD71}"/>
+              </a:ext>
+            </a:extLst>
+          </p:cNvPr>
+          <p:cNvGrpSpPr/>
+          <p:nvPr/>
+        </p:nvGrpSpPr>
+        <p:grpSpPr>
+          <a:xfrm>
+            <a:off x="5084064" y="4608576"/>
+            <a:ext cx="1612392" cy="402336"/>
+            <a:chOff x="1609344" y="4599432"/>
+            <a:chExt cx="1612392" cy="402336"/>
+          </a:xfrm>
+        </p:grpSpPr>
+        <p:sp>
+          <p:nvSpPr>
+            <p:cNvPr id="28" name="矩形 27">
+              <a:extLst>
+                <a:ext uri="{FF2B5EF4-FFF2-40B4-BE49-F238E27FC236}">
+                  <a16:creationId xmlns:a16="http://schemas.microsoft.com/office/drawing/2014/main" id="{583A59D6-BC5D-4C3C-8245-C48453D4B1AF}"/>
+                </a:ext>
+              </a:extLst>
+            </p:cNvPr>
+            <p:cNvSpPr/>
+            <p:nvPr/>
+          </p:nvSpPr>
+          <p:spPr>
+            <a:xfrm>
+              <a:off x="2496312" y="4732020"/>
+              <a:ext cx="429768" cy="137160"/>
+            </a:xfrm>
+            <a:prstGeom prst="rect">
+              <a:avLst/>
+            </a:prstGeom>
+            <a:solidFill>
+              <a:schemeClr val="bg2">
+                <a:lumMod val="50000"/>
+              </a:schemeClr>
+            </a:solidFill>
+            <a:ln>
+              <a:solidFill>
+                <a:schemeClr val="bg2">
+                  <a:lumMod val="75000"/>
+                </a:schemeClr>
+              </a:solidFill>
+            </a:ln>
+          </p:spPr>
+          <p:style>
+            <a:lnRef idx="2">
+              <a:schemeClr val="accent1">
+                <a:shade val="50000"/>
+              </a:schemeClr>
+            </a:lnRef>
+            <a:fillRef idx="1">
+              <a:schemeClr val="accent1"/>
+            </a:fillRef>
+            <a:effectRef idx="0">
+              <a:schemeClr val="accent1"/>
+            </a:effectRef>
+            <a:fontRef idx="minor">
+              <a:schemeClr val="lt1"/>
+            </a:fontRef>
+          </p:style>
+          <p:txBody>
+            <a:bodyPr rtlCol="0" anchor="ctr"/>
+            <a:lstStyle/>
+            <a:p>
+              <a:pPr algn="ctr"/>
+              <a:endParaRPr lang="en-US"/>
+            </a:p>
+          </p:txBody>
+        </p:sp>
+        <p:sp>
+          <p:nvSpPr>
+            <p:cNvPr id="29" name="矩形 28">
+              <a:extLst>
+                <a:ext uri="{FF2B5EF4-FFF2-40B4-BE49-F238E27FC236}">
+                  <a16:creationId xmlns:a16="http://schemas.microsoft.com/office/drawing/2014/main" id="{23507566-73CF-4A9C-B343-D81E37F984DD}"/>
+                </a:ext>
+              </a:extLst>
+            </p:cNvPr>
+            <p:cNvSpPr/>
+            <p:nvPr/>
+          </p:nvSpPr>
+          <p:spPr>
+            <a:xfrm>
+              <a:off x="1609344" y="4599432"/>
+              <a:ext cx="429768" cy="402336"/>
+            </a:xfrm>
+            <a:prstGeom prst="rect">
+              <a:avLst/>
+            </a:prstGeom>
+          </p:spPr>
+          <p:style>
+            <a:lnRef idx="2">
+              <a:schemeClr val="dk1">
+                <a:shade val="50000"/>
+              </a:schemeClr>
+            </a:lnRef>
+            <a:fillRef idx="1">
+              <a:schemeClr val="dk1"/>
+            </a:fillRef>
+            <a:effectRef idx="0">
+              <a:schemeClr val="dk1"/>
+            </a:effectRef>
+            <a:fontRef idx="minor">
+              <a:schemeClr val="lt1"/>
+            </a:fontRef>
+          </p:style>
+          <p:txBody>
+            <a:bodyPr rtlCol="0" anchor="ctr"/>
+            <a:lstStyle/>
+            <a:p>
+              <a:pPr algn="ctr"/>
+              <a:endParaRPr lang="en-US"/>
+            </a:p>
+          </p:txBody>
+        </p:sp>
+        <p:sp>
+          <p:nvSpPr>
+            <p:cNvPr id="30" name="矩形 29">
+              <a:extLst>
+                <a:ext uri="{FF2B5EF4-FFF2-40B4-BE49-F238E27FC236}">
+                  <a16:creationId xmlns:a16="http://schemas.microsoft.com/office/drawing/2014/main" id="{3B55A7B3-A52A-4183-AF8B-BAABD48CCCFC}"/>
+                </a:ext>
+              </a:extLst>
+            </p:cNvPr>
+            <p:cNvSpPr/>
+            <p:nvPr/>
+          </p:nvSpPr>
+          <p:spPr>
+            <a:xfrm>
+              <a:off x="2200656" y="4599432"/>
+              <a:ext cx="429768" cy="402336"/>
+            </a:xfrm>
+            <a:prstGeom prst="rect">
+              <a:avLst/>
+            </a:prstGeom>
+            <a:solidFill>
+              <a:schemeClr val="bg2">
+                <a:lumMod val="50000"/>
+              </a:schemeClr>
+            </a:solidFill>
+            <a:ln>
+              <a:solidFill>
+                <a:schemeClr val="bg2">
+                  <a:lumMod val="50000"/>
+                </a:schemeClr>
+              </a:solidFill>
+            </a:ln>
+          </p:spPr>
+          <p:style>
+            <a:lnRef idx="2">
+              <a:schemeClr val="dk1">
+                <a:shade val="50000"/>
+              </a:schemeClr>
+            </a:lnRef>
+            <a:fillRef idx="1">
+              <a:schemeClr val="dk1"/>
+            </a:fillRef>
+            <a:effectRef idx="0">
+              <a:schemeClr val="dk1"/>
+            </a:effectRef>
+            <a:fontRef idx="minor">
+              <a:schemeClr val="lt1"/>
+            </a:fontRef>
+          </p:style>
+          <p:txBody>
+            <a:bodyPr rtlCol="0" anchor="ctr"/>
+            <a:lstStyle/>
+            <a:p>
+              <a:pPr algn="ctr"/>
+              <a:endParaRPr lang="en-US"/>
+            </a:p>
+          </p:txBody>
+        </p:sp>
+        <p:sp>
+          <p:nvSpPr>
+            <p:cNvPr id="31" name="矩形 30">
+              <a:extLst>
+                <a:ext uri="{FF2B5EF4-FFF2-40B4-BE49-F238E27FC236}">
+                  <a16:creationId xmlns:a16="http://schemas.microsoft.com/office/drawing/2014/main" id="{FB56F856-6787-425B-B160-E00140F01020}"/>
+                </a:ext>
+              </a:extLst>
+            </p:cNvPr>
+            <p:cNvSpPr/>
+            <p:nvPr/>
+          </p:nvSpPr>
+          <p:spPr>
+            <a:xfrm>
+              <a:off x="2791968" y="4599432"/>
+              <a:ext cx="429768" cy="402336"/>
+            </a:xfrm>
+            <a:prstGeom prst="rect">
+              <a:avLst/>
+            </a:prstGeom>
+            <a:solidFill>
+              <a:srgbClr val="FF0000"/>
+            </a:solidFill>
+            <a:ln>
+              <a:solidFill>
+                <a:srgbClr val="FF0000"/>
+              </a:solidFill>
+            </a:ln>
+          </p:spPr>
+          <p:style>
+            <a:lnRef idx="2">
+              <a:schemeClr val="dk1">
+                <a:shade val="50000"/>
+              </a:schemeClr>
+            </a:lnRef>
+            <a:fillRef idx="1">
+              <a:schemeClr val="dk1"/>
+            </a:fillRef>
+            <a:effectRef idx="0">
+              <a:schemeClr val="dk1"/>
+            </a:effectRef>
+            <a:fontRef idx="minor">
+              <a:schemeClr val="lt1"/>
+            </a:fontRef>
+          </p:style>
+          <p:txBody>
+            <a:bodyPr rtlCol="0" anchor="ctr"/>
+            <a:lstStyle/>
+            <a:p>
+              <a:pPr algn="ctr"/>
+              <a:endParaRPr lang="en-US"/>
+            </a:p>
+          </p:txBody>
+        </p:sp>
+      </p:grpSp>
+      <p:grpSp>
+        <p:nvGrpSpPr>
+          <p:cNvPr id="32" name="组合 31">
+            <a:extLst>
+              <a:ext uri="{FF2B5EF4-FFF2-40B4-BE49-F238E27FC236}">
+                <a16:creationId xmlns:a16="http://schemas.microsoft.com/office/drawing/2014/main" id="{CE927189-C60F-4314-AAC5-B681C70A6CD4}"/>
+              </a:ext>
+            </a:extLst>
+          </p:cNvPr>
+          <p:cNvGrpSpPr/>
+          <p:nvPr/>
+        </p:nvGrpSpPr>
+        <p:grpSpPr>
+          <a:xfrm>
+            <a:off x="667512" y="5718062"/>
+            <a:ext cx="1612392" cy="402336"/>
+            <a:chOff x="1609344" y="4599432"/>
+            <a:chExt cx="1612392" cy="402336"/>
+          </a:xfrm>
+        </p:grpSpPr>
+        <p:sp>
+          <p:nvSpPr>
+            <p:cNvPr id="33" name="矩形 32">
+              <a:extLst>
+                <a:ext uri="{FF2B5EF4-FFF2-40B4-BE49-F238E27FC236}">
+                  <a16:creationId xmlns:a16="http://schemas.microsoft.com/office/drawing/2014/main" id="{74567FEB-71F9-4B4A-B545-4E28489E57D7}"/>
+                </a:ext>
+              </a:extLst>
+            </p:cNvPr>
+            <p:cNvSpPr/>
+            <p:nvPr/>
+          </p:nvSpPr>
+          <p:spPr>
+            <a:xfrm>
+              <a:off x="2496312" y="4732020"/>
+              <a:ext cx="429768" cy="137160"/>
+            </a:xfrm>
+            <a:prstGeom prst="rect">
+              <a:avLst/>
+            </a:prstGeom>
+            <a:solidFill>
+              <a:schemeClr val="bg2">
+                <a:lumMod val="50000"/>
+              </a:schemeClr>
+            </a:solidFill>
+            <a:ln>
+              <a:solidFill>
+                <a:schemeClr val="bg2">
+                  <a:lumMod val="75000"/>
+                </a:schemeClr>
+              </a:solidFill>
+            </a:ln>
+          </p:spPr>
+          <p:style>
+            <a:lnRef idx="2">
+              <a:schemeClr val="accent1">
+                <a:shade val="50000"/>
+              </a:schemeClr>
+            </a:lnRef>
+            <a:fillRef idx="1">
+              <a:schemeClr val="accent1"/>
+            </a:fillRef>
+            <a:effectRef idx="0">
+              <a:schemeClr val="accent1"/>
+            </a:effectRef>
+            <a:fontRef idx="minor">
+              <a:schemeClr val="lt1"/>
+            </a:fontRef>
+          </p:style>
+          <p:txBody>
+            <a:bodyPr rtlCol="0" anchor="ctr"/>
+            <a:lstStyle/>
+            <a:p>
+              <a:pPr algn="ctr"/>
+              <a:endParaRPr lang="en-US"/>
+            </a:p>
+          </p:txBody>
+        </p:sp>
+        <p:sp>
+          <p:nvSpPr>
+            <p:cNvPr id="34" name="矩形 33">
+              <a:extLst>
+                <a:ext uri="{FF2B5EF4-FFF2-40B4-BE49-F238E27FC236}">
+                  <a16:creationId xmlns:a16="http://schemas.microsoft.com/office/drawing/2014/main" id="{ABBBD6AE-CF93-4EB1-8EB2-254F3C44623C}"/>
+                </a:ext>
+              </a:extLst>
+            </p:cNvPr>
+            <p:cNvSpPr/>
+            <p:nvPr/>
+          </p:nvSpPr>
+          <p:spPr>
+            <a:xfrm>
+              <a:off x="1609344" y="4599432"/>
+              <a:ext cx="429768" cy="402336"/>
+            </a:xfrm>
+            <a:prstGeom prst="rect">
+              <a:avLst/>
+            </a:prstGeom>
+          </p:spPr>
+          <p:style>
+            <a:lnRef idx="2">
+              <a:schemeClr val="dk1">
+                <a:shade val="50000"/>
+              </a:schemeClr>
+            </a:lnRef>
+            <a:fillRef idx="1">
+              <a:schemeClr val="dk1"/>
+            </a:fillRef>
+            <a:effectRef idx="0">
+              <a:schemeClr val="dk1"/>
+            </a:effectRef>
+            <a:fontRef idx="minor">
+              <a:schemeClr val="lt1"/>
+            </a:fontRef>
+          </p:style>
+          <p:txBody>
+            <a:bodyPr rtlCol="0" anchor="ctr"/>
+            <a:lstStyle/>
+            <a:p>
+              <a:pPr algn="ctr"/>
+              <a:endParaRPr lang="en-US"/>
+            </a:p>
+          </p:txBody>
+        </p:sp>
+        <p:sp>
+          <p:nvSpPr>
+            <p:cNvPr id="35" name="矩形 34">
+              <a:extLst>
+                <a:ext uri="{FF2B5EF4-FFF2-40B4-BE49-F238E27FC236}">
+                  <a16:creationId xmlns:a16="http://schemas.microsoft.com/office/drawing/2014/main" id="{00F848F7-BDD4-464F-B4A5-C6EDDDCD5CE8}"/>
+                </a:ext>
+              </a:extLst>
+            </p:cNvPr>
+            <p:cNvSpPr/>
+            <p:nvPr/>
+          </p:nvSpPr>
+          <p:spPr>
+            <a:xfrm>
+              <a:off x="2200656" y="4599432"/>
+              <a:ext cx="429768" cy="402336"/>
+            </a:xfrm>
+            <a:prstGeom prst="rect">
+              <a:avLst/>
+            </a:prstGeom>
+            <a:solidFill>
+              <a:schemeClr val="bg2">
+                <a:lumMod val="50000"/>
+              </a:schemeClr>
+            </a:solidFill>
+            <a:ln>
+              <a:solidFill>
+                <a:schemeClr val="bg2">
+                  <a:lumMod val="50000"/>
+                </a:schemeClr>
+              </a:solidFill>
+            </a:ln>
+          </p:spPr>
+          <p:style>
+            <a:lnRef idx="2">
+              <a:schemeClr val="dk1">
+                <a:shade val="50000"/>
+              </a:schemeClr>
+            </a:lnRef>
+            <a:fillRef idx="1">
+              <a:schemeClr val="dk1"/>
+            </a:fillRef>
+            <a:effectRef idx="0">
+              <a:schemeClr val="dk1"/>
+            </a:effectRef>
+            <a:fontRef idx="minor">
+              <a:schemeClr val="lt1"/>
+            </a:fontRef>
+          </p:style>
+          <p:txBody>
+            <a:bodyPr rtlCol="0" anchor="ctr"/>
+            <a:lstStyle/>
+            <a:p>
+              <a:pPr algn="ctr"/>
+              <a:endParaRPr lang="en-US"/>
+            </a:p>
+          </p:txBody>
+        </p:sp>
+        <p:sp>
+          <p:nvSpPr>
+            <p:cNvPr id="36" name="矩形 35">
+              <a:extLst>
+                <a:ext uri="{FF2B5EF4-FFF2-40B4-BE49-F238E27FC236}">
+                  <a16:creationId xmlns:a16="http://schemas.microsoft.com/office/drawing/2014/main" id="{C6AA6F59-A8A5-4814-8DF2-18F4ADC46AF0}"/>
+                </a:ext>
+              </a:extLst>
+            </p:cNvPr>
+            <p:cNvSpPr/>
+            <p:nvPr/>
+          </p:nvSpPr>
+          <p:spPr>
+            <a:xfrm>
+              <a:off x="2791968" y="4599432"/>
+              <a:ext cx="429768" cy="402336"/>
+            </a:xfrm>
+            <a:prstGeom prst="rect">
+              <a:avLst/>
+            </a:prstGeom>
+            <a:solidFill>
+              <a:srgbClr val="FF0000"/>
+            </a:solidFill>
+            <a:ln>
+              <a:solidFill>
+                <a:srgbClr val="FF0000"/>
+              </a:solidFill>
+            </a:ln>
+          </p:spPr>
+          <p:style>
+            <a:lnRef idx="2">
+              <a:schemeClr val="dk1">
+                <a:shade val="50000"/>
+              </a:schemeClr>
+            </a:lnRef>
+            <a:fillRef idx="1">
+              <a:schemeClr val="dk1"/>
+            </a:fillRef>
+            <a:effectRef idx="0">
+              <a:schemeClr val="dk1"/>
+            </a:effectRef>
+            <a:fontRef idx="minor">
+              <a:schemeClr val="lt1"/>
+            </a:fontRef>
+          </p:style>
+          <p:txBody>
+            <a:bodyPr rtlCol="0" anchor="ctr"/>
+            <a:lstStyle/>
+            <a:p>
+              <a:pPr algn="ctr"/>
+              <a:endParaRPr lang="en-US"/>
+            </a:p>
+          </p:txBody>
+        </p:sp>
+      </p:grpSp>
+      <p:grpSp>
+        <p:nvGrpSpPr>
+          <p:cNvPr id="37" name="组合 36">
+            <a:extLst>
+              <a:ext uri="{FF2B5EF4-FFF2-40B4-BE49-F238E27FC236}">
+                <a16:creationId xmlns:a16="http://schemas.microsoft.com/office/drawing/2014/main" id="{B4BBFB78-5AF0-4828-93E9-58A51715ADEB}"/>
+              </a:ext>
+            </a:extLst>
+          </p:cNvPr>
+          <p:cNvGrpSpPr/>
+          <p:nvPr/>
+        </p:nvGrpSpPr>
+        <p:grpSpPr>
+          <a:xfrm>
+            <a:off x="2834640" y="5718062"/>
+            <a:ext cx="1612392" cy="402336"/>
+            <a:chOff x="1609344" y="4599432"/>
+            <a:chExt cx="1612392" cy="402336"/>
+          </a:xfrm>
+        </p:grpSpPr>
+        <p:sp>
+          <p:nvSpPr>
+            <p:cNvPr id="38" name="矩形 37">
+              <a:extLst>
+                <a:ext uri="{FF2B5EF4-FFF2-40B4-BE49-F238E27FC236}">
+                  <a16:creationId xmlns:a16="http://schemas.microsoft.com/office/drawing/2014/main" id="{7CEAC9F6-C260-47BE-986D-F9E383E87838}"/>
+                </a:ext>
+              </a:extLst>
+            </p:cNvPr>
+            <p:cNvSpPr/>
+            <p:nvPr/>
+          </p:nvSpPr>
+          <p:spPr>
+            <a:xfrm>
+              <a:off x="2496312" y="4732020"/>
+              <a:ext cx="429768" cy="137160"/>
+            </a:xfrm>
+            <a:prstGeom prst="rect">
+              <a:avLst/>
+            </a:prstGeom>
+            <a:solidFill>
+              <a:schemeClr val="bg2">
+                <a:lumMod val="50000"/>
+              </a:schemeClr>
+            </a:solidFill>
+            <a:ln>
+              <a:solidFill>
+                <a:schemeClr val="bg2">
+                  <a:lumMod val="75000"/>
+                </a:schemeClr>
+              </a:solidFill>
+            </a:ln>
+          </p:spPr>
+          <p:style>
+            <a:lnRef idx="2">
+              <a:schemeClr val="accent1">
+                <a:shade val="50000"/>
+              </a:schemeClr>
+            </a:lnRef>
+            <a:fillRef idx="1">
+              <a:schemeClr val="accent1"/>
+            </a:fillRef>
+            <a:effectRef idx="0">
+              <a:schemeClr val="accent1"/>
+            </a:effectRef>
+            <a:fontRef idx="minor">
+              <a:schemeClr val="lt1"/>
+            </a:fontRef>
+          </p:style>
+          <p:txBody>
+            <a:bodyPr rtlCol="0" anchor="ctr"/>
+            <a:lstStyle/>
+            <a:p>
+              <a:pPr algn="ctr"/>
+              <a:endParaRPr lang="en-US"/>
+            </a:p>
+          </p:txBody>
+        </p:sp>
+        <p:sp>
+          <p:nvSpPr>
+            <p:cNvPr id="39" name="矩形 38">
+              <a:extLst>
+                <a:ext uri="{FF2B5EF4-FFF2-40B4-BE49-F238E27FC236}">
+                  <a16:creationId xmlns:a16="http://schemas.microsoft.com/office/drawing/2014/main" id="{7217D3D5-2A10-49E1-AD2E-F3C5AB741AE8}"/>
+                </a:ext>
+              </a:extLst>
+            </p:cNvPr>
+            <p:cNvSpPr/>
+            <p:nvPr/>
+          </p:nvSpPr>
+          <p:spPr>
+            <a:xfrm>
+              <a:off x="1609344" y="4599432"/>
+              <a:ext cx="429768" cy="402336"/>
+            </a:xfrm>
+            <a:prstGeom prst="rect">
+              <a:avLst/>
+            </a:prstGeom>
+          </p:spPr>
+          <p:style>
+            <a:lnRef idx="2">
+              <a:schemeClr val="dk1">
+                <a:shade val="50000"/>
+              </a:schemeClr>
+            </a:lnRef>
+            <a:fillRef idx="1">
+              <a:schemeClr val="dk1"/>
+            </a:fillRef>
+            <a:effectRef idx="0">
+              <a:schemeClr val="dk1"/>
+            </a:effectRef>
+            <a:fontRef idx="minor">
+              <a:schemeClr val="lt1"/>
+            </a:fontRef>
+          </p:style>
+          <p:txBody>
+            <a:bodyPr rtlCol="0" anchor="ctr"/>
+            <a:lstStyle/>
+            <a:p>
+              <a:pPr algn="ctr"/>
+              <a:endParaRPr lang="en-US"/>
+            </a:p>
+          </p:txBody>
+        </p:sp>
+        <p:sp>
+          <p:nvSpPr>
+            <p:cNvPr id="40" name="矩形 39">
+              <a:extLst>
+                <a:ext uri="{FF2B5EF4-FFF2-40B4-BE49-F238E27FC236}">
+                  <a16:creationId xmlns:a16="http://schemas.microsoft.com/office/drawing/2014/main" id="{5E1B6CC5-4BBE-414C-ABB2-4893CF932712}"/>
+                </a:ext>
+              </a:extLst>
+            </p:cNvPr>
+            <p:cNvSpPr/>
+            <p:nvPr/>
+          </p:nvSpPr>
+          <p:spPr>
+            <a:xfrm>
+              <a:off x="2200656" y="4599432"/>
+              <a:ext cx="429768" cy="402336"/>
+            </a:xfrm>
+            <a:prstGeom prst="rect">
+              <a:avLst/>
+            </a:prstGeom>
+            <a:solidFill>
+              <a:schemeClr val="bg2">
+                <a:lumMod val="50000"/>
+              </a:schemeClr>
+            </a:solidFill>
+            <a:ln>
+              <a:solidFill>
+                <a:schemeClr val="bg2">
+                  <a:lumMod val="50000"/>
+                </a:schemeClr>
+              </a:solidFill>
+            </a:ln>
+          </p:spPr>
+          <p:style>
+            <a:lnRef idx="2">
+              <a:schemeClr val="dk1">
+                <a:shade val="50000"/>
+              </a:schemeClr>
+            </a:lnRef>
+            <a:fillRef idx="1">
+              <a:schemeClr val="dk1"/>
+            </a:fillRef>
+            <a:effectRef idx="0">
+              <a:schemeClr val="dk1"/>
+            </a:effectRef>
+            <a:fontRef idx="minor">
+              <a:schemeClr val="lt1"/>
+            </a:fontRef>
+          </p:style>
+          <p:txBody>
+            <a:bodyPr rtlCol="0" anchor="ctr"/>
+            <a:lstStyle/>
+            <a:p>
+              <a:pPr algn="ctr"/>
+              <a:endParaRPr lang="en-US"/>
+            </a:p>
+          </p:txBody>
+        </p:sp>
+        <p:sp>
+          <p:nvSpPr>
+            <p:cNvPr id="41" name="矩形 40">
+              <a:extLst>
+                <a:ext uri="{FF2B5EF4-FFF2-40B4-BE49-F238E27FC236}">
+                  <a16:creationId xmlns:a16="http://schemas.microsoft.com/office/drawing/2014/main" id="{4D9E9130-2C6E-435B-B057-7ACD7F307C0D}"/>
+                </a:ext>
+              </a:extLst>
+            </p:cNvPr>
+            <p:cNvSpPr/>
+            <p:nvPr/>
+          </p:nvSpPr>
+          <p:spPr>
+            <a:xfrm>
+              <a:off x="2791968" y="4599432"/>
+              <a:ext cx="429768" cy="402336"/>
+            </a:xfrm>
+            <a:prstGeom prst="rect">
+              <a:avLst/>
+            </a:prstGeom>
+            <a:solidFill>
+              <a:srgbClr val="FF0000"/>
+            </a:solidFill>
+            <a:ln>
+              <a:solidFill>
+                <a:srgbClr val="FF0000"/>
+              </a:solidFill>
+            </a:ln>
+          </p:spPr>
+          <p:style>
+            <a:lnRef idx="2">
+              <a:schemeClr val="dk1">
+                <a:shade val="50000"/>
+              </a:schemeClr>
+            </a:lnRef>
+            <a:fillRef idx="1">
+              <a:schemeClr val="dk1"/>
+            </a:fillRef>
+            <a:effectRef idx="0">
+              <a:schemeClr val="dk1"/>
+            </a:effectRef>
+            <a:fontRef idx="minor">
+              <a:schemeClr val="lt1"/>
+            </a:fontRef>
+          </p:style>
+          <p:txBody>
+            <a:bodyPr rtlCol="0" anchor="ctr"/>
+            <a:lstStyle/>
+            <a:p>
+              <a:pPr algn="ctr"/>
+              <a:endParaRPr lang="en-US"/>
+            </a:p>
+          </p:txBody>
+        </p:sp>
+      </p:grpSp>
+      <p:grpSp>
+        <p:nvGrpSpPr>
+          <p:cNvPr id="42" name="组合 41">
+            <a:extLst>
+              <a:ext uri="{FF2B5EF4-FFF2-40B4-BE49-F238E27FC236}">
+                <a16:creationId xmlns:a16="http://schemas.microsoft.com/office/drawing/2014/main" id="{CEE6514A-FF7D-4A9B-B007-DE6BE3104656}"/>
+              </a:ext>
+            </a:extLst>
+          </p:cNvPr>
+          <p:cNvGrpSpPr/>
+          <p:nvPr/>
+        </p:nvGrpSpPr>
+        <p:grpSpPr>
+          <a:xfrm>
+            <a:off x="5084064" y="5718062"/>
+            <a:ext cx="1612392" cy="402336"/>
+            <a:chOff x="1609344" y="4599432"/>
+            <a:chExt cx="1612392" cy="402336"/>
+          </a:xfrm>
+        </p:grpSpPr>
+        <p:sp>
+          <p:nvSpPr>
+            <p:cNvPr id="43" name="矩形 42">
+              <a:extLst>
+                <a:ext uri="{FF2B5EF4-FFF2-40B4-BE49-F238E27FC236}">
+                  <a16:creationId xmlns:a16="http://schemas.microsoft.com/office/drawing/2014/main" id="{740924CF-6208-43B2-809A-0B9A37A17C79}"/>
+                </a:ext>
+              </a:extLst>
+            </p:cNvPr>
+            <p:cNvSpPr/>
+            <p:nvPr/>
+          </p:nvSpPr>
+          <p:spPr>
+            <a:xfrm>
+              <a:off x="2496312" y="4732020"/>
+              <a:ext cx="429768" cy="137160"/>
+            </a:xfrm>
+            <a:prstGeom prst="rect">
+              <a:avLst/>
+            </a:prstGeom>
+            <a:solidFill>
+              <a:schemeClr val="bg2">
+                <a:lumMod val="50000"/>
+              </a:schemeClr>
+            </a:solidFill>
+            <a:ln>
+              <a:solidFill>
+                <a:schemeClr val="bg2">
+                  <a:lumMod val="75000"/>
+                </a:schemeClr>
+              </a:solidFill>
+            </a:ln>
+          </p:spPr>
+          <p:style>
+            <a:lnRef idx="2">
+              <a:schemeClr val="accent1">
+                <a:shade val="50000"/>
+              </a:schemeClr>
+            </a:lnRef>
+            <a:fillRef idx="1">
+              <a:schemeClr val="accent1"/>
+            </a:fillRef>
+            <a:effectRef idx="0">
+              <a:schemeClr val="accent1"/>
+            </a:effectRef>
+            <a:fontRef idx="minor">
+              <a:schemeClr val="lt1"/>
+            </a:fontRef>
+          </p:style>
+          <p:txBody>
+            <a:bodyPr rtlCol="0" anchor="ctr"/>
+            <a:lstStyle/>
+            <a:p>
+              <a:pPr algn="ctr"/>
+              <a:endParaRPr lang="en-US"/>
+            </a:p>
+          </p:txBody>
+        </p:sp>
+        <p:sp>
+          <p:nvSpPr>
+            <p:cNvPr id="44" name="矩形 43">
+              <a:extLst>
+                <a:ext uri="{FF2B5EF4-FFF2-40B4-BE49-F238E27FC236}">
+                  <a16:creationId xmlns:a16="http://schemas.microsoft.com/office/drawing/2014/main" id="{F167B889-2A31-4705-B542-308DA95A0705}"/>
+                </a:ext>
+              </a:extLst>
+            </p:cNvPr>
+            <p:cNvSpPr/>
+            <p:nvPr/>
+          </p:nvSpPr>
+          <p:spPr>
+            <a:xfrm>
+              <a:off x="1609344" y="4599432"/>
+              <a:ext cx="429768" cy="402336"/>
+            </a:xfrm>
+            <a:prstGeom prst="rect">
+              <a:avLst/>
+            </a:prstGeom>
+          </p:spPr>
+          <p:style>
+            <a:lnRef idx="2">
+              <a:schemeClr val="dk1">
+                <a:shade val="50000"/>
+              </a:schemeClr>
+            </a:lnRef>
+            <a:fillRef idx="1">
+              <a:schemeClr val="dk1"/>
+            </a:fillRef>
+            <a:effectRef idx="0">
+              <a:schemeClr val="dk1"/>
+            </a:effectRef>
+            <a:fontRef idx="minor">
+              <a:schemeClr val="lt1"/>
+            </a:fontRef>
+          </p:style>
+          <p:txBody>
+            <a:bodyPr rtlCol="0" anchor="ctr"/>
+            <a:lstStyle/>
+            <a:p>
+              <a:pPr algn="ctr"/>
+              <a:endParaRPr lang="en-US"/>
+            </a:p>
+          </p:txBody>
+        </p:sp>
+        <p:sp>
+          <p:nvSpPr>
+            <p:cNvPr id="45" name="矩形 44">
+              <a:extLst>
+                <a:ext uri="{FF2B5EF4-FFF2-40B4-BE49-F238E27FC236}">
+                  <a16:creationId xmlns:a16="http://schemas.microsoft.com/office/drawing/2014/main" id="{B54FBDDE-FDE9-47A5-8531-1319A57810B2}"/>
+                </a:ext>
+              </a:extLst>
+            </p:cNvPr>
+            <p:cNvSpPr/>
+            <p:nvPr/>
+          </p:nvSpPr>
+          <p:spPr>
+            <a:xfrm>
+              <a:off x="2200656" y="4599432"/>
+              <a:ext cx="429768" cy="402336"/>
+            </a:xfrm>
+            <a:prstGeom prst="rect">
+              <a:avLst/>
+            </a:prstGeom>
+            <a:solidFill>
+              <a:schemeClr val="bg2">
+                <a:lumMod val="50000"/>
+              </a:schemeClr>
+            </a:solidFill>
+            <a:ln>
+              <a:solidFill>
+                <a:schemeClr val="bg2">
+                  <a:lumMod val="50000"/>
+                </a:schemeClr>
+              </a:solidFill>
+            </a:ln>
+          </p:spPr>
+          <p:style>
+            <a:lnRef idx="2">
+              <a:schemeClr val="dk1">
+                <a:shade val="50000"/>
+              </a:schemeClr>
+            </a:lnRef>
+            <a:fillRef idx="1">
+              <a:schemeClr val="dk1"/>
+            </a:fillRef>
+            <a:effectRef idx="0">
+              <a:schemeClr val="dk1"/>
+            </a:effectRef>
+            <a:fontRef idx="minor">
+              <a:schemeClr val="lt1"/>
+            </a:fontRef>
+          </p:style>
+          <p:txBody>
+            <a:bodyPr rtlCol="0" anchor="ctr"/>
+            <a:lstStyle/>
+            <a:p>
+              <a:pPr algn="ctr"/>
+              <a:endParaRPr lang="en-US"/>
+            </a:p>
+          </p:txBody>
+        </p:sp>
+        <p:sp>
+          <p:nvSpPr>
+            <p:cNvPr id="46" name="矩形 45">
+              <a:extLst>
+                <a:ext uri="{FF2B5EF4-FFF2-40B4-BE49-F238E27FC236}">
+                  <a16:creationId xmlns:a16="http://schemas.microsoft.com/office/drawing/2014/main" id="{E6D6D4FE-B02E-464F-BA91-39B6B972373E}"/>
+                </a:ext>
+              </a:extLst>
+            </p:cNvPr>
+            <p:cNvSpPr/>
+            <p:nvPr/>
+          </p:nvSpPr>
+          <p:spPr>
+            <a:xfrm>
+              <a:off x="2791968" y="4599432"/>
+              <a:ext cx="429768" cy="402336"/>
+            </a:xfrm>
+            <a:prstGeom prst="rect">
+              <a:avLst/>
+            </a:prstGeom>
+            <a:solidFill>
+              <a:srgbClr val="FF0000"/>
+            </a:solidFill>
+            <a:ln>
+              <a:solidFill>
+                <a:srgbClr val="FF0000"/>
+              </a:solidFill>
+            </a:ln>
+          </p:spPr>
+          <p:style>
+            <a:lnRef idx="2">
+              <a:schemeClr val="dk1">
+                <a:shade val="50000"/>
+              </a:schemeClr>
+            </a:lnRef>
+            <a:fillRef idx="1">
+              <a:schemeClr val="dk1"/>
+            </a:fillRef>
+            <a:effectRef idx="0">
+              <a:schemeClr val="dk1"/>
+            </a:effectRef>
+            <a:fontRef idx="minor">
+              <a:schemeClr val="lt1"/>
+            </a:fontRef>
+          </p:style>
+          <p:txBody>
+            <a:bodyPr rtlCol="0" anchor="ctr"/>
+            <a:lstStyle/>
+            <a:p>
+              <a:pPr algn="ctr"/>
+              <a:endParaRPr lang="en-US"/>
+            </a:p>
+          </p:txBody>
+        </p:sp>
+      </p:grpSp>
+      <p:sp>
+        <p:nvSpPr>
+          <p:cNvPr id="47" name="文本框 46">
+            <a:extLst>
+              <a:ext uri="{FF2B5EF4-FFF2-40B4-BE49-F238E27FC236}">
+                <a16:creationId xmlns:a16="http://schemas.microsoft.com/office/drawing/2014/main" id="{BBEC76F3-75A8-4DAB-9FFE-A68A391CE0EE}"/>
+              </a:ext>
+            </a:extLst>
+          </p:cNvPr>
+          <p:cNvSpPr txBox="1"/>
+          <p:nvPr/>
+        </p:nvSpPr>
+        <p:spPr>
+          <a:xfrm>
+            <a:off x="1180198" y="4175236"/>
+            <a:ext cx="587020" cy="369332"/>
+          </a:xfrm>
+          <a:prstGeom prst="rect">
+            <a:avLst/>
+          </a:prstGeom>
+          <a:noFill/>
+        </p:spPr>
+        <p:txBody>
+          <a:bodyPr wrap="none" rtlCol="0">
+            <a:spAutoFit/>
+          </a:bodyPr>
+          <a:lstStyle/>
+          <a:p>
+            <a:r>
+              <a:rPr lang="en-US" b="1">
+                <a:solidFill>
+                  <a:schemeClr val="bg2">
+                    <a:lumMod val="75000"/>
+                  </a:schemeClr>
+                </a:solidFill>
+              </a:rPr>
+              <a:t>AD0</a:t>
+            </a:r>
+          </a:p>
+        </p:txBody>
+      </p:sp>
+      <p:sp>
+        <p:nvSpPr>
+          <p:cNvPr id="48" name="文本框 47">
+            <a:extLst>
+              <a:ext uri="{FF2B5EF4-FFF2-40B4-BE49-F238E27FC236}">
+                <a16:creationId xmlns:a16="http://schemas.microsoft.com/office/drawing/2014/main" id="{7701D4D4-262A-4C90-85C3-EC16816B228B}"/>
+              </a:ext>
+            </a:extLst>
+          </p:cNvPr>
+          <p:cNvSpPr txBox="1"/>
+          <p:nvPr/>
+        </p:nvSpPr>
+        <p:spPr>
+          <a:xfrm>
+            <a:off x="3347326" y="4239244"/>
+            <a:ext cx="587020" cy="369332"/>
+          </a:xfrm>
+          <a:prstGeom prst="rect">
+            <a:avLst/>
+          </a:prstGeom>
+          <a:noFill/>
+        </p:spPr>
+        <p:txBody>
+          <a:bodyPr wrap="none" rtlCol="0">
+            <a:spAutoFit/>
+          </a:bodyPr>
+          <a:lstStyle/>
+          <a:p>
+            <a:r>
+              <a:rPr lang="en-US" b="1">
+                <a:solidFill>
+                  <a:schemeClr val="bg2">
+                    <a:lumMod val="75000"/>
+                  </a:schemeClr>
+                </a:solidFill>
+              </a:rPr>
+              <a:t>AD1</a:t>
+            </a:r>
+          </a:p>
+        </p:txBody>
+      </p:sp>
+      <p:sp>
+        <p:nvSpPr>
+          <p:cNvPr id="49" name="文本框 48">
+            <a:extLst>
+              <a:ext uri="{FF2B5EF4-FFF2-40B4-BE49-F238E27FC236}">
+                <a16:creationId xmlns:a16="http://schemas.microsoft.com/office/drawing/2014/main" id="{1EF05592-4033-4E76-B155-FC2C43F26BA1}"/>
+              </a:ext>
+            </a:extLst>
+          </p:cNvPr>
+          <p:cNvSpPr txBox="1"/>
+          <p:nvPr/>
+        </p:nvSpPr>
+        <p:spPr>
+          <a:xfrm>
+            <a:off x="5594085" y="4239244"/>
+            <a:ext cx="587020" cy="369332"/>
+          </a:xfrm>
+          <a:prstGeom prst="rect">
+            <a:avLst/>
+          </a:prstGeom>
+          <a:noFill/>
+        </p:spPr>
+        <p:txBody>
+          <a:bodyPr wrap="none" rtlCol="0">
+            <a:spAutoFit/>
+          </a:bodyPr>
+          <a:lstStyle/>
+          <a:p>
+            <a:r>
+              <a:rPr lang="en-US" b="1">
+                <a:solidFill>
+                  <a:schemeClr val="bg2">
+                    <a:lumMod val="75000"/>
+                  </a:schemeClr>
+                </a:solidFill>
+              </a:rPr>
+              <a:t>AD3</a:t>
+            </a:r>
+          </a:p>
+        </p:txBody>
+      </p:sp>
+      <p:sp>
+        <p:nvSpPr>
+          <p:cNvPr id="50" name="文本框 49">
+            <a:extLst>
+              <a:ext uri="{FF2B5EF4-FFF2-40B4-BE49-F238E27FC236}">
+                <a16:creationId xmlns:a16="http://schemas.microsoft.com/office/drawing/2014/main" id="{0B63DA69-B8A0-4F5A-ACAE-2F05E0928015}"/>
+              </a:ext>
+            </a:extLst>
+          </p:cNvPr>
+          <p:cNvSpPr txBox="1"/>
+          <p:nvPr/>
+        </p:nvSpPr>
+        <p:spPr>
+          <a:xfrm>
+            <a:off x="1184012" y="5298938"/>
+            <a:ext cx="587020" cy="369332"/>
+          </a:xfrm>
+          <a:prstGeom prst="rect">
+            <a:avLst/>
+          </a:prstGeom>
+          <a:noFill/>
+        </p:spPr>
+        <p:txBody>
+          <a:bodyPr wrap="none" rtlCol="0">
+            <a:spAutoFit/>
+          </a:bodyPr>
+          <a:lstStyle/>
+          <a:p>
+            <a:r>
+              <a:rPr lang="en-US" b="1">
+                <a:solidFill>
+                  <a:schemeClr val="bg2">
+                    <a:lumMod val="75000"/>
+                  </a:schemeClr>
+                </a:solidFill>
+              </a:rPr>
+              <a:t>AD2</a:t>
+            </a:r>
+          </a:p>
+        </p:txBody>
+      </p:sp>
+      <p:sp>
+        <p:nvSpPr>
+          <p:cNvPr id="51" name="文本框 50">
+            <a:extLst>
+              <a:ext uri="{FF2B5EF4-FFF2-40B4-BE49-F238E27FC236}">
+                <a16:creationId xmlns:a16="http://schemas.microsoft.com/office/drawing/2014/main" id="{B7ABE252-AD5F-4806-8DFA-1FF19D5CBF8A}"/>
+              </a:ext>
+            </a:extLst>
+          </p:cNvPr>
+          <p:cNvSpPr txBox="1"/>
+          <p:nvPr/>
+        </p:nvSpPr>
+        <p:spPr>
+          <a:xfrm>
+            <a:off x="3355712" y="5316726"/>
+            <a:ext cx="587020" cy="369332"/>
+          </a:xfrm>
+          <a:prstGeom prst="rect">
+            <a:avLst/>
+          </a:prstGeom>
+          <a:noFill/>
+        </p:spPr>
+        <p:txBody>
+          <a:bodyPr wrap="none" rtlCol="0">
+            <a:spAutoFit/>
+          </a:bodyPr>
+          <a:lstStyle/>
+          <a:p>
+            <a:r>
+              <a:rPr lang="en-US" b="1">
+                <a:solidFill>
+                  <a:schemeClr val="bg2">
+                    <a:lumMod val="75000"/>
+                  </a:schemeClr>
+                </a:solidFill>
+              </a:rPr>
+              <a:t>AD5</a:t>
+            </a:r>
+          </a:p>
+        </p:txBody>
+      </p:sp>
+      <p:sp>
+        <p:nvSpPr>
+          <p:cNvPr id="52" name="文本框 51">
+            <a:extLst>
+              <a:ext uri="{FF2B5EF4-FFF2-40B4-BE49-F238E27FC236}">
+                <a16:creationId xmlns:a16="http://schemas.microsoft.com/office/drawing/2014/main" id="{B288A6E4-C115-49B8-BBE0-FB0C861C7A2F}"/>
+              </a:ext>
+            </a:extLst>
+          </p:cNvPr>
+          <p:cNvSpPr txBox="1"/>
+          <p:nvPr/>
+        </p:nvSpPr>
+        <p:spPr>
+          <a:xfrm>
+            <a:off x="5607043" y="5315716"/>
+            <a:ext cx="587020" cy="369332"/>
+          </a:xfrm>
+          <a:prstGeom prst="rect">
+            <a:avLst/>
+          </a:prstGeom>
+          <a:noFill/>
+        </p:spPr>
+        <p:txBody>
+          <a:bodyPr wrap="none" rtlCol="0">
+            <a:spAutoFit/>
+          </a:bodyPr>
+          <a:lstStyle/>
+          <a:p>
+            <a:r>
+              <a:rPr lang="en-US" b="1">
+                <a:solidFill>
+                  <a:schemeClr val="bg2">
+                    <a:lumMod val="75000"/>
+                  </a:schemeClr>
+                </a:solidFill>
+              </a:rPr>
+              <a:t>AD4</a:t>
+            </a:r>
+          </a:p>
+        </p:txBody>
+      </p:sp>
+      <p:sp>
+        <p:nvSpPr>
+          <p:cNvPr id="53" name="矩形 52">
+            <a:extLst>
+              <a:ext uri="{FF2B5EF4-FFF2-40B4-BE49-F238E27FC236}">
+                <a16:creationId xmlns:a16="http://schemas.microsoft.com/office/drawing/2014/main" id="{0942C363-5309-4E16-B57D-9C0BF2A7C66F}"/>
+              </a:ext>
+            </a:extLst>
+          </p:cNvPr>
+          <p:cNvSpPr/>
+          <p:nvPr/>
+        </p:nvSpPr>
+        <p:spPr>
+          <a:xfrm>
+            <a:off x="329184" y="4239244"/>
+            <a:ext cx="6775704" cy="2106692"/>
+          </a:xfrm>
+          <a:prstGeom prst="rect">
+            <a:avLst/>
+          </a:prstGeom>
+          <a:noFill/>
+          <a:ln w="9525" cap="flat" cmpd="sng" algn="ctr">
+            <a:solidFill>
+              <a:schemeClr val="bg2">
+                <a:lumMod val="50000"/>
+              </a:schemeClr>
+            </a:solidFill>
+            <a:prstDash val="lgDashDotDot"/>
+            <a:round/>
+            <a:headEnd type="none" w="med" len="med"/>
+            <a:tailEnd type="none" w="med" len="med"/>
+          </a:ln>
+        </p:spPr>
+        <p:style>
+          <a:lnRef idx="0">
+            <a:scrgbClr r="0" g="0" b="0"/>
+          </a:lnRef>
+          <a:fillRef idx="0">
+            <a:scrgbClr r="0" g="0" b="0"/>
+          </a:fillRef>
+          <a:effectRef idx="0">
+            <a:scrgbClr r="0" g="0" b="0"/>
+          </a:effectRef>
+          <a:fontRef idx="minor">
+            <a:schemeClr val="dk1"/>
+          </a:fontRef>
+        </p:style>
+        <p:txBody>
+          <a:bodyPr rtlCol="0" anchor="ctr"/>
+          <a:lstStyle/>
+          <a:p>
+            <a:pPr algn="ctr"/>
+            <a:endParaRPr lang="en-US"/>
+          </a:p>
+        </p:txBody>
+      </p:sp>
+      <p:sp>
+        <p:nvSpPr>
+          <p:cNvPr id="54" name="箭头: 右 53">
+            <a:extLst>
+              <a:ext uri="{FF2B5EF4-FFF2-40B4-BE49-F238E27FC236}">
+                <a16:creationId xmlns:a16="http://schemas.microsoft.com/office/drawing/2014/main" id="{A761D001-CA7B-4479-96E5-57094CFA8A11}"/>
+              </a:ext>
+            </a:extLst>
+          </p:cNvPr>
+          <p:cNvSpPr/>
+          <p:nvPr/>
+        </p:nvSpPr>
+        <p:spPr>
+          <a:xfrm>
+            <a:off x="7135998" y="5010912"/>
+            <a:ext cx="749808" cy="460841"/>
+          </a:xfrm>
+          <a:prstGeom prst="rightArrow">
+            <a:avLst/>
+          </a:prstGeom>
+          <a:ln>
+            <a:headEnd type="none" w="med" len="med"/>
+            <a:tailEnd type="none" w="med" len="med"/>
+          </a:ln>
+        </p:spPr>
+        <p:style>
+          <a:lnRef idx="2">
+            <a:schemeClr val="accent3">
+              <a:shade val="50000"/>
+            </a:schemeClr>
+          </a:lnRef>
+          <a:fillRef idx="1">
+            <a:schemeClr val="accent3"/>
+          </a:fillRef>
+          <a:effectRef idx="0">
+            <a:schemeClr val="accent3"/>
+          </a:effectRef>
+          <a:fontRef idx="minor">
+            <a:schemeClr val="lt1"/>
+          </a:fontRef>
+        </p:style>
+        <p:txBody>
+          <a:bodyPr rtlCol="0" anchor="ctr"/>
+          <a:lstStyle/>
+          <a:p>
+            <a:pPr algn="ctr"/>
+            <a:endParaRPr lang="en-US"/>
+          </a:p>
+        </p:txBody>
+      </p:sp>
+      <p:sp>
+        <p:nvSpPr>
+          <p:cNvPr id="55" name="文本框 54">
+            <a:extLst>
+              <a:ext uri="{FF2B5EF4-FFF2-40B4-BE49-F238E27FC236}">
+                <a16:creationId xmlns:a16="http://schemas.microsoft.com/office/drawing/2014/main" id="{83A518E9-DF99-4102-A897-DCA91FF1D61A}"/>
+              </a:ext>
+            </a:extLst>
+          </p:cNvPr>
+          <p:cNvSpPr txBox="1"/>
+          <p:nvPr/>
+        </p:nvSpPr>
+        <p:spPr>
+          <a:xfrm>
+            <a:off x="7885806" y="4809744"/>
+            <a:ext cx="2217851" cy="830997"/>
+          </a:xfrm>
+          <a:prstGeom prst="rect">
+            <a:avLst/>
+          </a:prstGeom>
+          <a:noFill/>
+        </p:spPr>
+        <p:txBody>
+          <a:bodyPr wrap="none" rtlCol="0">
+            <a:spAutoFit/>
+          </a:bodyPr>
+          <a:lstStyle/>
+          <a:p>
+            <a:r>
+              <a:rPr lang="en-US" sz="2400" b="1">
+                <a:solidFill>
+                  <a:schemeClr val="bg2">
+                    <a:lumMod val="75000"/>
+                  </a:schemeClr>
+                </a:solidFill>
+              </a:rPr>
+              <a:t>Default Address</a:t>
+            </a:r>
+          </a:p>
+          <a:p>
+            <a:r>
+              <a:rPr lang="en-US" sz="2400" b="1">
+                <a:solidFill>
+                  <a:schemeClr val="bg2">
+                    <a:lumMod val="75000"/>
+                  </a:schemeClr>
+                </a:solidFill>
+              </a:rPr>
+              <a:t>           0</a:t>
+            </a:r>
+            <a:r>
+              <a:rPr lang="en-US" altLang="zh-CN" sz="2400" b="1">
+                <a:solidFill>
+                  <a:schemeClr val="bg2">
+                    <a:lumMod val="75000"/>
+                  </a:schemeClr>
+                </a:solidFill>
+              </a:rPr>
+              <a:t>x7F</a:t>
+            </a:r>
+            <a:endParaRPr lang="en-US" sz="2400" b="1">
+              <a:solidFill>
+                <a:schemeClr val="bg2">
+                  <a:lumMod val="75000"/>
+                </a:schemeClr>
+              </a:solidFill>
+            </a:endParaRPr>
+          </a:p>
+        </p:txBody>
+      </p:sp>
+    </p:spTree>
+    <p:extLst>
+      <p:ext uri="{BB962C8B-B14F-4D97-AF65-F5344CB8AC3E}">
+        <p14:creationId xmlns:p14="http://schemas.microsoft.com/office/powerpoint/2010/main" val="948025066"/>
       </p:ext>
     </p:extLst>
   </p:cSld>
